--- a/Sprint/Preliminary Sprint/Model.pptx
+++ b/Sprint/Preliminary Sprint/Model.pptx
@@ -259,7 +259,7 @@
           <a:p>
             <a:fld id="{B31E3D85-A7E1-48A8-A6C3-EA09155FF9AE}" type="datetimeFigureOut">
               <a:rPr lang="it-IT" smtClean="0"/>
-              <a:t>21/06/2019</a:t>
+              <a:t>18/04/2020</a:t>
             </a:fld>
             <a:endParaRPr lang="it-IT"/>
           </a:p>
@@ -457,7 +457,7 @@
           <a:p>
             <a:fld id="{B31E3D85-A7E1-48A8-A6C3-EA09155FF9AE}" type="datetimeFigureOut">
               <a:rPr lang="it-IT" smtClean="0"/>
-              <a:t>21/06/2019</a:t>
+              <a:t>18/04/2020</a:t>
             </a:fld>
             <a:endParaRPr lang="it-IT"/>
           </a:p>
@@ -665,7 +665,7 @@
           <a:p>
             <a:fld id="{B31E3D85-A7E1-48A8-A6C3-EA09155FF9AE}" type="datetimeFigureOut">
               <a:rPr lang="it-IT" smtClean="0"/>
-              <a:t>21/06/2019</a:t>
+              <a:t>18/04/2020</a:t>
             </a:fld>
             <a:endParaRPr lang="it-IT"/>
           </a:p>
@@ -863,7 +863,7 @@
           <a:p>
             <a:fld id="{B31E3D85-A7E1-48A8-A6C3-EA09155FF9AE}" type="datetimeFigureOut">
               <a:rPr lang="it-IT" smtClean="0"/>
-              <a:t>21/06/2019</a:t>
+              <a:t>18/04/2020</a:t>
             </a:fld>
             <a:endParaRPr lang="it-IT"/>
           </a:p>
@@ -1138,7 +1138,7 @@
           <a:p>
             <a:fld id="{B31E3D85-A7E1-48A8-A6C3-EA09155FF9AE}" type="datetimeFigureOut">
               <a:rPr lang="it-IT" smtClean="0"/>
-              <a:t>21/06/2019</a:t>
+              <a:t>18/04/2020</a:t>
             </a:fld>
             <a:endParaRPr lang="it-IT"/>
           </a:p>
@@ -1403,7 +1403,7 @@
           <a:p>
             <a:fld id="{B31E3D85-A7E1-48A8-A6C3-EA09155FF9AE}" type="datetimeFigureOut">
               <a:rPr lang="it-IT" smtClean="0"/>
-              <a:t>21/06/2019</a:t>
+              <a:t>18/04/2020</a:t>
             </a:fld>
             <a:endParaRPr lang="it-IT"/>
           </a:p>
@@ -1815,7 +1815,7 @@
           <a:p>
             <a:fld id="{B31E3D85-A7E1-48A8-A6C3-EA09155FF9AE}" type="datetimeFigureOut">
               <a:rPr lang="it-IT" smtClean="0"/>
-              <a:t>21/06/2019</a:t>
+              <a:t>18/04/2020</a:t>
             </a:fld>
             <a:endParaRPr lang="it-IT"/>
           </a:p>
@@ -1956,7 +1956,7 @@
           <a:p>
             <a:fld id="{B31E3D85-A7E1-48A8-A6C3-EA09155FF9AE}" type="datetimeFigureOut">
               <a:rPr lang="it-IT" smtClean="0"/>
-              <a:t>21/06/2019</a:t>
+              <a:t>18/04/2020</a:t>
             </a:fld>
             <a:endParaRPr lang="it-IT"/>
           </a:p>
@@ -2069,7 +2069,7 @@
           <a:p>
             <a:fld id="{B31E3D85-A7E1-48A8-A6C3-EA09155FF9AE}" type="datetimeFigureOut">
               <a:rPr lang="it-IT" smtClean="0"/>
-              <a:t>21/06/2019</a:t>
+              <a:t>18/04/2020</a:t>
             </a:fld>
             <a:endParaRPr lang="it-IT"/>
           </a:p>
@@ -2380,7 +2380,7 @@
           <a:p>
             <a:fld id="{B31E3D85-A7E1-48A8-A6C3-EA09155FF9AE}" type="datetimeFigureOut">
               <a:rPr lang="it-IT" smtClean="0"/>
-              <a:t>21/06/2019</a:t>
+              <a:t>18/04/2020</a:t>
             </a:fld>
             <a:endParaRPr lang="it-IT"/>
           </a:p>
@@ -2668,7 +2668,7 @@
           <a:p>
             <a:fld id="{B31E3D85-A7E1-48A8-A6C3-EA09155FF9AE}" type="datetimeFigureOut">
               <a:rPr lang="it-IT" smtClean="0"/>
-              <a:t>21/06/2019</a:t>
+              <a:t>18/04/2020</a:t>
             </a:fld>
             <a:endParaRPr lang="it-IT"/>
           </a:p>
@@ -2909,7 +2909,7 @@
           <a:p>
             <a:fld id="{B31E3D85-A7E1-48A8-A6C3-EA09155FF9AE}" type="datetimeFigureOut">
               <a:rPr lang="it-IT" smtClean="0"/>
-              <a:t>21/06/2019</a:t>
+              <a:t>18/04/2020</a:t>
             </a:fld>
             <a:endParaRPr lang="it-IT"/>
           </a:p>
@@ -3340,7 +3340,7 @@
         </p:nvSpPr>
         <p:spPr>
           <a:xfrm>
-            <a:off x="426126" y="406069"/>
+            <a:off x="426125" y="527567"/>
             <a:ext cx="3162343" cy="2354886"/>
           </a:xfrm>
           <a:prstGeom prst="roundRect">
@@ -3413,8 +3413,8 @@
         </p:nvSpPr>
         <p:spPr>
           <a:xfrm>
-            <a:off x="933099" y="406069"/>
-            <a:ext cx="2148396" cy="399496"/>
+            <a:off x="1388532" y="531016"/>
+            <a:ext cx="1692961" cy="399496"/>
           </a:xfrm>
           <a:prstGeom prst="rect">
             <a:avLst/>
@@ -3441,7 +3441,7 @@
             <a:pPr algn="ctr"/>
             <a:r>
               <a:rPr lang="it-IT" dirty="0"/>
-              <a:t>Context_RBR</a:t>
+              <a:t>Context Maitre</a:t>
             </a:r>
           </a:p>
         </p:txBody>
@@ -3460,7 +3460,7 @@
         </p:nvGrpSpPr>
         <p:grpSpPr>
           <a:xfrm>
-            <a:off x="1065154" y="1299426"/>
+            <a:off x="1065153" y="1432840"/>
             <a:ext cx="1745203" cy="967667"/>
             <a:chOff x="6736343" y="1517255"/>
             <a:chExt cx="1745203" cy="967667"/>
@@ -3545,7 +3545,7 @@
                     <a:schemeClr val="tx1"/>
                   </a:solidFill>
                 </a:rPr>
-                <a:t>Body</a:t>
+                <a:t>maitre</a:t>
               </a:r>
             </a:p>
           </p:txBody>
@@ -3701,6 +3701,3077 @@
           </p:txBody>
         </p:sp>
       </p:grpSp>
+      <p:sp>
+        <p:nvSpPr>
+          <p:cNvPr id="10" name="Rettangolo con angoli arrotondati 9">
+            <a:extLst>
+              <a:ext uri="{FF2B5EF4-FFF2-40B4-BE49-F238E27FC236}">
+                <a16:creationId xmlns:a16="http://schemas.microsoft.com/office/drawing/2014/main" id="{010267D1-0731-4A4E-B44F-2399C389DBFB}"/>
+              </a:ext>
+            </a:extLst>
+          </p:cNvPr>
+          <p:cNvSpPr/>
+          <p:nvPr/>
+        </p:nvSpPr>
+        <p:spPr>
+          <a:xfrm>
+            <a:off x="5167618" y="473219"/>
+            <a:ext cx="6598257" cy="6148634"/>
+          </a:xfrm>
+          <a:prstGeom prst="roundRect">
+            <a:avLst/>
+          </a:prstGeom>
+          <a:gradFill flip="none" rotWithShape="1">
+            <a:gsLst>
+              <a:gs pos="0">
+                <a:srgbClr val="00B0F0">
+                  <a:tint val="66000"/>
+                  <a:satMod val="160000"/>
+                </a:srgbClr>
+              </a:gs>
+              <a:gs pos="50000">
+                <a:srgbClr val="00B0F0">
+                  <a:tint val="44500"/>
+                  <a:satMod val="160000"/>
+                </a:srgbClr>
+              </a:gs>
+              <a:gs pos="100000">
+                <a:srgbClr val="00B0F0">
+                  <a:tint val="23500"/>
+                  <a:satMod val="160000"/>
+                </a:srgbClr>
+              </a:gs>
+            </a:gsLst>
+            <a:lin ang="16200000" scaled="1"/>
+            <a:tileRect/>
+          </a:gradFill>
+          <a:ln>
+            <a:solidFill>
+              <a:srgbClr val="0070C0"/>
+            </a:solidFill>
+          </a:ln>
+        </p:spPr>
+        <p:style>
+          <a:lnRef idx="0">
+            <a:schemeClr val="accent5"/>
+          </a:lnRef>
+          <a:fillRef idx="3">
+            <a:schemeClr val="accent5"/>
+          </a:fillRef>
+          <a:effectRef idx="3">
+            <a:schemeClr val="accent5"/>
+          </a:effectRef>
+          <a:fontRef idx="minor">
+            <a:schemeClr val="lt1"/>
+          </a:fontRef>
+        </p:style>
+        <p:txBody>
+          <a:bodyPr rtlCol="0" anchor="ctr"/>
+          <a:lstStyle/>
+          <a:p>
+            <a:pPr algn="ctr"/>
+            <a:endParaRPr lang="it-IT"/>
+          </a:p>
+        </p:txBody>
+      </p:sp>
+      <p:sp>
+        <p:nvSpPr>
+          <p:cNvPr id="11" name="Rettangolo 10">
+            <a:extLst>
+              <a:ext uri="{FF2B5EF4-FFF2-40B4-BE49-F238E27FC236}">
+                <a16:creationId xmlns:a16="http://schemas.microsoft.com/office/drawing/2014/main" id="{FF7596F2-122C-4301-A186-540627B3403D}"/>
+              </a:ext>
+            </a:extLst>
+          </p:cNvPr>
+          <p:cNvSpPr/>
+          <p:nvPr/>
+        </p:nvSpPr>
+        <p:spPr>
+          <a:xfrm>
+            <a:off x="7423786" y="492521"/>
+            <a:ext cx="2148396" cy="399496"/>
+          </a:xfrm>
+          <a:prstGeom prst="rect">
+            <a:avLst/>
+          </a:prstGeom>
+        </p:spPr>
+        <p:style>
+          <a:lnRef idx="2">
+            <a:schemeClr val="dk1"/>
+          </a:lnRef>
+          <a:fillRef idx="1">
+            <a:schemeClr val="lt1"/>
+          </a:fillRef>
+          <a:effectRef idx="0">
+            <a:schemeClr val="dk1"/>
+          </a:effectRef>
+          <a:fontRef idx="minor">
+            <a:schemeClr val="dk1"/>
+          </a:fontRef>
+        </p:style>
+        <p:txBody>
+          <a:bodyPr rtlCol="0" anchor="ctr"/>
+          <a:lstStyle/>
+          <a:p>
+            <a:pPr algn="ctr"/>
+            <a:r>
+              <a:rPr lang="it-IT" dirty="0"/>
+              <a:t>Context Robot</a:t>
+            </a:r>
+          </a:p>
+        </p:txBody>
+      </p:sp>
+      <p:grpSp>
+        <p:nvGrpSpPr>
+          <p:cNvPr id="12" name="Gruppo 11">
+            <a:extLst>
+              <a:ext uri="{FF2B5EF4-FFF2-40B4-BE49-F238E27FC236}">
+                <a16:creationId xmlns:a16="http://schemas.microsoft.com/office/drawing/2014/main" id="{188031C3-90CB-403B-9ED1-2AE3F7B79EE7}"/>
+              </a:ext>
+            </a:extLst>
+          </p:cNvPr>
+          <p:cNvGrpSpPr/>
+          <p:nvPr/>
+        </p:nvGrpSpPr>
+        <p:grpSpPr>
+          <a:xfrm>
+            <a:off x="9240714" y="1216920"/>
+            <a:ext cx="1745203" cy="967667"/>
+            <a:chOff x="6736343" y="1517255"/>
+            <a:chExt cx="1745203" cy="967667"/>
+          </a:xfrm>
+        </p:grpSpPr>
+        <p:sp>
+          <p:nvSpPr>
+            <p:cNvPr id="13" name="Ovale 12">
+              <a:extLst>
+                <a:ext uri="{FF2B5EF4-FFF2-40B4-BE49-F238E27FC236}">
+                  <a16:creationId xmlns:a16="http://schemas.microsoft.com/office/drawing/2014/main" id="{06D50FD5-02DA-4E47-AF46-76F3CF9F06FB}"/>
+                </a:ext>
+              </a:extLst>
+            </p:cNvPr>
+            <p:cNvSpPr/>
+            <p:nvPr/>
+          </p:nvSpPr>
+          <p:spPr>
+            <a:xfrm>
+              <a:off x="7203161" y="1517255"/>
+              <a:ext cx="1278385" cy="967667"/>
+            </a:xfrm>
+            <a:prstGeom prst="ellipse">
+              <a:avLst/>
+            </a:prstGeom>
+            <a:gradFill flip="none" rotWithShape="1">
+              <a:gsLst>
+                <a:gs pos="0">
+                  <a:srgbClr val="FF0000">
+                    <a:tint val="66000"/>
+                    <a:satMod val="160000"/>
+                  </a:srgbClr>
+                </a:gs>
+                <a:gs pos="50000">
+                  <a:srgbClr val="FF0000">
+                    <a:tint val="44500"/>
+                    <a:satMod val="160000"/>
+                  </a:srgbClr>
+                </a:gs>
+                <a:gs pos="100000">
+                  <a:srgbClr val="FF0000">
+                    <a:tint val="23500"/>
+                    <a:satMod val="160000"/>
+                  </a:srgbClr>
+                </a:gs>
+              </a:gsLst>
+              <a:path path="circle">
+                <a:fillToRect t="100000" r="100000"/>
+              </a:path>
+              <a:tileRect l="-100000" b="-100000"/>
+            </a:gradFill>
+            <a:ln w="19050">
+              <a:solidFill>
+                <a:srgbClr val="C00000"/>
+              </a:solidFill>
+            </a:ln>
+          </p:spPr>
+          <p:style>
+            <a:lnRef idx="2">
+              <a:schemeClr val="accent1">
+                <a:shade val="50000"/>
+              </a:schemeClr>
+            </a:lnRef>
+            <a:fillRef idx="1">
+              <a:schemeClr val="accent1"/>
+            </a:fillRef>
+            <a:effectRef idx="0">
+              <a:schemeClr val="accent1"/>
+            </a:effectRef>
+            <a:fontRef idx="minor">
+              <a:schemeClr val="lt1"/>
+            </a:fontRef>
+          </p:style>
+          <p:txBody>
+            <a:bodyPr rtlCol="0" anchor="ctr"/>
+            <a:lstStyle/>
+            <a:p>
+              <a:pPr algn="ctr"/>
+              <a:r>
+                <a:rPr lang="it-IT" dirty="0">
+                  <a:solidFill>
+                    <a:schemeClr val="tx1"/>
+                  </a:solidFill>
+                </a:rPr>
+                <a:t>Basic robot</a:t>
+              </a:r>
+            </a:p>
+          </p:txBody>
+        </p:sp>
+        <p:sp>
+          <p:nvSpPr>
+            <p:cNvPr id="14" name="Rettangolo 13">
+              <a:extLst>
+                <a:ext uri="{FF2B5EF4-FFF2-40B4-BE49-F238E27FC236}">
+                  <a16:creationId xmlns:a16="http://schemas.microsoft.com/office/drawing/2014/main" id="{B57CDF73-4977-4C27-A4A0-9639B9361BFE}"/>
+                </a:ext>
+              </a:extLst>
+            </p:cNvPr>
+            <p:cNvSpPr/>
+            <p:nvPr/>
+          </p:nvSpPr>
+          <p:spPr>
+            <a:xfrm>
+              <a:off x="6982698" y="1761394"/>
+              <a:ext cx="220463" cy="390617"/>
+            </a:xfrm>
+            <a:prstGeom prst="rect">
+              <a:avLst/>
+            </a:prstGeom>
+            <a:gradFill flip="none" rotWithShape="1">
+              <a:gsLst>
+                <a:gs pos="0">
+                  <a:srgbClr val="7030A0">
+                    <a:tint val="66000"/>
+                    <a:satMod val="160000"/>
+                  </a:srgbClr>
+                </a:gs>
+                <a:gs pos="50000">
+                  <a:srgbClr val="7030A0">
+                    <a:tint val="44500"/>
+                    <a:satMod val="160000"/>
+                  </a:srgbClr>
+                </a:gs>
+                <a:gs pos="100000">
+                  <a:srgbClr val="7030A0">
+                    <a:tint val="23500"/>
+                    <a:satMod val="160000"/>
+                  </a:srgbClr>
+                </a:gs>
+              </a:gsLst>
+              <a:lin ang="16200000" scaled="1"/>
+              <a:tileRect/>
+            </a:gradFill>
+            <a:ln w="19050">
+              <a:solidFill>
+                <a:srgbClr val="7030A0"/>
+              </a:solidFill>
+            </a:ln>
+          </p:spPr>
+          <p:style>
+            <a:lnRef idx="2">
+              <a:schemeClr val="accent1">
+                <a:shade val="50000"/>
+              </a:schemeClr>
+            </a:lnRef>
+            <a:fillRef idx="1">
+              <a:schemeClr val="accent1"/>
+            </a:fillRef>
+            <a:effectRef idx="0">
+              <a:schemeClr val="accent1"/>
+            </a:effectRef>
+            <a:fontRef idx="minor">
+              <a:schemeClr val="lt1"/>
+            </a:fontRef>
+          </p:style>
+          <p:txBody>
+            <a:bodyPr rtlCol="0" anchor="ctr"/>
+            <a:lstStyle/>
+            <a:p>
+              <a:pPr algn="ctr"/>
+              <a:endParaRPr lang="it-IT"/>
+            </a:p>
+          </p:txBody>
+        </p:sp>
+        <p:sp>
+          <p:nvSpPr>
+            <p:cNvPr id="15" name="Rettangolo 14">
+              <a:extLst>
+                <a:ext uri="{FF2B5EF4-FFF2-40B4-BE49-F238E27FC236}">
+                  <a16:creationId xmlns:a16="http://schemas.microsoft.com/office/drawing/2014/main" id="{376CC9E4-1907-491C-B06F-84A055F8254A}"/>
+                </a:ext>
+              </a:extLst>
+            </p:cNvPr>
+            <p:cNvSpPr/>
+            <p:nvPr/>
+          </p:nvSpPr>
+          <p:spPr>
+            <a:xfrm>
+              <a:off x="6736343" y="1761394"/>
+              <a:ext cx="220463" cy="390617"/>
+            </a:xfrm>
+            <a:prstGeom prst="rect">
+              <a:avLst/>
+            </a:prstGeom>
+            <a:gradFill flip="none" rotWithShape="1">
+              <a:gsLst>
+                <a:gs pos="0">
+                  <a:srgbClr val="7030A0">
+                    <a:tint val="66000"/>
+                    <a:satMod val="160000"/>
+                  </a:srgbClr>
+                </a:gs>
+                <a:gs pos="50000">
+                  <a:srgbClr val="7030A0">
+                    <a:tint val="44500"/>
+                    <a:satMod val="160000"/>
+                  </a:srgbClr>
+                </a:gs>
+                <a:gs pos="100000">
+                  <a:srgbClr val="7030A0">
+                    <a:tint val="23500"/>
+                    <a:satMod val="160000"/>
+                  </a:srgbClr>
+                </a:gs>
+              </a:gsLst>
+              <a:lin ang="16200000" scaled="1"/>
+              <a:tileRect/>
+            </a:gradFill>
+            <a:ln w="19050">
+              <a:solidFill>
+                <a:srgbClr val="7030A0"/>
+              </a:solidFill>
+            </a:ln>
+          </p:spPr>
+          <p:style>
+            <a:lnRef idx="2">
+              <a:schemeClr val="accent1">
+                <a:shade val="50000"/>
+              </a:schemeClr>
+            </a:lnRef>
+            <a:fillRef idx="1">
+              <a:schemeClr val="accent1"/>
+            </a:fillRef>
+            <a:effectRef idx="0">
+              <a:schemeClr val="accent1"/>
+            </a:effectRef>
+            <a:fontRef idx="minor">
+              <a:schemeClr val="lt1"/>
+            </a:fontRef>
+          </p:style>
+          <p:txBody>
+            <a:bodyPr rtlCol="0" anchor="ctr"/>
+            <a:lstStyle/>
+            <a:p>
+              <a:pPr algn="ctr"/>
+              <a:endParaRPr lang="it-IT"/>
+            </a:p>
+          </p:txBody>
+        </p:sp>
+      </p:grpSp>
+      <p:sp>
+        <p:nvSpPr>
+          <p:cNvPr id="16" name="Rettangolo con angoli arrotondati 15">
+            <a:extLst>
+              <a:ext uri="{FF2B5EF4-FFF2-40B4-BE49-F238E27FC236}">
+                <a16:creationId xmlns:a16="http://schemas.microsoft.com/office/drawing/2014/main" id="{6E46750C-BEAC-4193-9038-FFE27225AE25}"/>
+              </a:ext>
+            </a:extLst>
+          </p:cNvPr>
+          <p:cNvSpPr/>
+          <p:nvPr/>
+        </p:nvSpPr>
+        <p:spPr>
+          <a:xfrm>
+            <a:off x="307588" y="4136992"/>
+            <a:ext cx="3162343" cy="2354886"/>
+          </a:xfrm>
+          <a:prstGeom prst="roundRect">
+            <a:avLst/>
+          </a:prstGeom>
+          <a:gradFill flip="none" rotWithShape="1">
+            <a:gsLst>
+              <a:gs pos="0">
+                <a:srgbClr val="00B0F0">
+                  <a:tint val="66000"/>
+                  <a:satMod val="160000"/>
+                </a:srgbClr>
+              </a:gs>
+              <a:gs pos="50000">
+                <a:srgbClr val="00B0F0">
+                  <a:tint val="44500"/>
+                  <a:satMod val="160000"/>
+                </a:srgbClr>
+              </a:gs>
+              <a:gs pos="100000">
+                <a:srgbClr val="00B0F0">
+                  <a:tint val="23500"/>
+                  <a:satMod val="160000"/>
+                </a:srgbClr>
+              </a:gs>
+            </a:gsLst>
+            <a:lin ang="16200000" scaled="1"/>
+            <a:tileRect/>
+          </a:gradFill>
+          <a:ln>
+            <a:solidFill>
+              <a:srgbClr val="0070C0"/>
+            </a:solidFill>
+          </a:ln>
+        </p:spPr>
+        <p:style>
+          <a:lnRef idx="0">
+            <a:schemeClr val="accent5"/>
+          </a:lnRef>
+          <a:fillRef idx="3">
+            <a:schemeClr val="accent5"/>
+          </a:fillRef>
+          <a:effectRef idx="3">
+            <a:schemeClr val="accent5"/>
+          </a:effectRef>
+          <a:fontRef idx="minor">
+            <a:schemeClr val="lt1"/>
+          </a:fontRef>
+        </p:style>
+        <p:txBody>
+          <a:bodyPr rtlCol="0" anchor="ctr"/>
+          <a:lstStyle/>
+          <a:p>
+            <a:pPr algn="ctr"/>
+            <a:endParaRPr lang="it-IT"/>
+          </a:p>
+        </p:txBody>
+      </p:sp>
+      <p:sp>
+        <p:nvSpPr>
+          <p:cNvPr id="17" name="Rettangolo 16">
+            <a:extLst>
+              <a:ext uri="{FF2B5EF4-FFF2-40B4-BE49-F238E27FC236}">
+                <a16:creationId xmlns:a16="http://schemas.microsoft.com/office/drawing/2014/main" id="{8757D79A-3267-477D-B506-5195AEF7E84B}"/>
+              </a:ext>
+            </a:extLst>
+          </p:cNvPr>
+          <p:cNvSpPr/>
+          <p:nvPr/>
+        </p:nvSpPr>
+        <p:spPr>
+          <a:xfrm>
+            <a:off x="814561" y="4136992"/>
+            <a:ext cx="2148396" cy="399496"/>
+          </a:xfrm>
+          <a:prstGeom prst="rect">
+            <a:avLst/>
+          </a:prstGeom>
+        </p:spPr>
+        <p:style>
+          <a:lnRef idx="2">
+            <a:schemeClr val="dk1"/>
+          </a:lnRef>
+          <a:fillRef idx="1">
+            <a:schemeClr val="lt1"/>
+          </a:fillRef>
+          <a:effectRef idx="0">
+            <a:schemeClr val="dk1"/>
+          </a:effectRef>
+          <a:fontRef idx="minor">
+            <a:schemeClr val="dk1"/>
+          </a:fontRef>
+        </p:style>
+        <p:txBody>
+          <a:bodyPr rtlCol="0" anchor="ctr"/>
+          <a:lstStyle/>
+          <a:p>
+            <a:pPr algn="ctr"/>
+            <a:r>
+              <a:rPr lang="it-IT" dirty="0"/>
+              <a:t>Context Fridge</a:t>
+            </a:r>
+          </a:p>
+        </p:txBody>
+      </p:sp>
+      <p:grpSp>
+        <p:nvGrpSpPr>
+          <p:cNvPr id="18" name="Gruppo 17">
+            <a:extLst>
+              <a:ext uri="{FF2B5EF4-FFF2-40B4-BE49-F238E27FC236}">
+                <a16:creationId xmlns:a16="http://schemas.microsoft.com/office/drawing/2014/main" id="{FF0B6AA7-F92A-4453-9394-8C88A63C4CDA}"/>
+              </a:ext>
+            </a:extLst>
+          </p:cNvPr>
+          <p:cNvGrpSpPr/>
+          <p:nvPr/>
+        </p:nvGrpSpPr>
+        <p:grpSpPr>
+          <a:xfrm>
+            <a:off x="887904" y="5172230"/>
+            <a:ext cx="1745203" cy="967667"/>
+            <a:chOff x="6736343" y="1517255"/>
+            <a:chExt cx="1745203" cy="967667"/>
+          </a:xfrm>
+        </p:grpSpPr>
+        <p:sp>
+          <p:nvSpPr>
+            <p:cNvPr id="19" name="Ovale 18">
+              <a:extLst>
+                <a:ext uri="{FF2B5EF4-FFF2-40B4-BE49-F238E27FC236}">
+                  <a16:creationId xmlns:a16="http://schemas.microsoft.com/office/drawing/2014/main" id="{D00CA020-3CCA-43BB-BA2E-F5A275FF8596}"/>
+                </a:ext>
+              </a:extLst>
+            </p:cNvPr>
+            <p:cNvSpPr/>
+            <p:nvPr/>
+          </p:nvSpPr>
+          <p:spPr>
+            <a:xfrm>
+              <a:off x="7203161" y="1517255"/>
+              <a:ext cx="1278385" cy="967667"/>
+            </a:xfrm>
+            <a:prstGeom prst="ellipse">
+              <a:avLst/>
+            </a:prstGeom>
+            <a:gradFill flip="none" rotWithShape="1">
+              <a:gsLst>
+                <a:gs pos="0">
+                  <a:srgbClr val="FF0000">
+                    <a:tint val="66000"/>
+                    <a:satMod val="160000"/>
+                  </a:srgbClr>
+                </a:gs>
+                <a:gs pos="50000">
+                  <a:srgbClr val="FF0000">
+                    <a:tint val="44500"/>
+                    <a:satMod val="160000"/>
+                  </a:srgbClr>
+                </a:gs>
+                <a:gs pos="100000">
+                  <a:srgbClr val="FF0000">
+                    <a:tint val="23500"/>
+                    <a:satMod val="160000"/>
+                  </a:srgbClr>
+                </a:gs>
+              </a:gsLst>
+              <a:path path="circle">
+                <a:fillToRect t="100000" r="100000"/>
+              </a:path>
+              <a:tileRect l="-100000" b="-100000"/>
+            </a:gradFill>
+            <a:ln w="19050">
+              <a:solidFill>
+                <a:srgbClr val="C00000"/>
+              </a:solidFill>
+            </a:ln>
+          </p:spPr>
+          <p:style>
+            <a:lnRef idx="2">
+              <a:schemeClr val="accent1">
+                <a:shade val="50000"/>
+              </a:schemeClr>
+            </a:lnRef>
+            <a:fillRef idx="1">
+              <a:schemeClr val="accent1"/>
+            </a:fillRef>
+            <a:effectRef idx="0">
+              <a:schemeClr val="accent1"/>
+            </a:effectRef>
+            <a:fontRef idx="minor">
+              <a:schemeClr val="lt1"/>
+            </a:fontRef>
+          </p:style>
+          <p:txBody>
+            <a:bodyPr rtlCol="0" anchor="ctr"/>
+            <a:lstStyle/>
+            <a:p>
+              <a:pPr algn="ctr"/>
+              <a:r>
+                <a:rPr lang="it-IT" dirty="0">
+                  <a:solidFill>
+                    <a:schemeClr val="tx1"/>
+                  </a:solidFill>
+                </a:rPr>
+                <a:t>Fridge</a:t>
+              </a:r>
+            </a:p>
+          </p:txBody>
+        </p:sp>
+        <p:sp>
+          <p:nvSpPr>
+            <p:cNvPr id="20" name="Rettangolo 19">
+              <a:extLst>
+                <a:ext uri="{FF2B5EF4-FFF2-40B4-BE49-F238E27FC236}">
+                  <a16:creationId xmlns:a16="http://schemas.microsoft.com/office/drawing/2014/main" id="{46C801D5-4337-4D91-ADC9-73D4A1C84B22}"/>
+                </a:ext>
+              </a:extLst>
+            </p:cNvPr>
+            <p:cNvSpPr/>
+            <p:nvPr/>
+          </p:nvSpPr>
+          <p:spPr>
+            <a:xfrm>
+              <a:off x="6982698" y="1761394"/>
+              <a:ext cx="220463" cy="390617"/>
+            </a:xfrm>
+            <a:prstGeom prst="rect">
+              <a:avLst/>
+            </a:prstGeom>
+            <a:gradFill flip="none" rotWithShape="1">
+              <a:gsLst>
+                <a:gs pos="0">
+                  <a:srgbClr val="7030A0">
+                    <a:tint val="66000"/>
+                    <a:satMod val="160000"/>
+                  </a:srgbClr>
+                </a:gs>
+                <a:gs pos="50000">
+                  <a:srgbClr val="7030A0">
+                    <a:tint val="44500"/>
+                    <a:satMod val="160000"/>
+                  </a:srgbClr>
+                </a:gs>
+                <a:gs pos="100000">
+                  <a:srgbClr val="7030A0">
+                    <a:tint val="23500"/>
+                    <a:satMod val="160000"/>
+                  </a:srgbClr>
+                </a:gs>
+              </a:gsLst>
+              <a:lin ang="16200000" scaled="1"/>
+              <a:tileRect/>
+            </a:gradFill>
+            <a:ln w="19050">
+              <a:solidFill>
+                <a:srgbClr val="7030A0"/>
+              </a:solidFill>
+            </a:ln>
+          </p:spPr>
+          <p:style>
+            <a:lnRef idx="2">
+              <a:schemeClr val="accent1">
+                <a:shade val="50000"/>
+              </a:schemeClr>
+            </a:lnRef>
+            <a:fillRef idx="1">
+              <a:schemeClr val="accent1"/>
+            </a:fillRef>
+            <a:effectRef idx="0">
+              <a:schemeClr val="accent1"/>
+            </a:effectRef>
+            <a:fontRef idx="minor">
+              <a:schemeClr val="lt1"/>
+            </a:fontRef>
+          </p:style>
+          <p:txBody>
+            <a:bodyPr rtlCol="0" anchor="ctr"/>
+            <a:lstStyle/>
+            <a:p>
+              <a:pPr algn="ctr"/>
+              <a:endParaRPr lang="it-IT"/>
+            </a:p>
+          </p:txBody>
+        </p:sp>
+        <p:sp>
+          <p:nvSpPr>
+            <p:cNvPr id="21" name="Rettangolo 20">
+              <a:extLst>
+                <a:ext uri="{FF2B5EF4-FFF2-40B4-BE49-F238E27FC236}">
+                  <a16:creationId xmlns:a16="http://schemas.microsoft.com/office/drawing/2014/main" id="{A9990368-6B13-47EA-99B4-E7147B0CBF64}"/>
+                </a:ext>
+              </a:extLst>
+            </p:cNvPr>
+            <p:cNvSpPr/>
+            <p:nvPr/>
+          </p:nvSpPr>
+          <p:spPr>
+            <a:xfrm>
+              <a:off x="6736343" y="1761394"/>
+              <a:ext cx="220463" cy="390617"/>
+            </a:xfrm>
+            <a:prstGeom prst="rect">
+              <a:avLst/>
+            </a:prstGeom>
+            <a:gradFill flip="none" rotWithShape="1">
+              <a:gsLst>
+                <a:gs pos="0">
+                  <a:srgbClr val="7030A0">
+                    <a:tint val="66000"/>
+                    <a:satMod val="160000"/>
+                  </a:srgbClr>
+                </a:gs>
+                <a:gs pos="50000">
+                  <a:srgbClr val="7030A0">
+                    <a:tint val="44500"/>
+                    <a:satMod val="160000"/>
+                  </a:srgbClr>
+                </a:gs>
+                <a:gs pos="100000">
+                  <a:srgbClr val="7030A0">
+                    <a:tint val="23500"/>
+                    <a:satMod val="160000"/>
+                  </a:srgbClr>
+                </a:gs>
+              </a:gsLst>
+              <a:lin ang="16200000" scaled="1"/>
+              <a:tileRect/>
+            </a:gradFill>
+            <a:ln w="19050">
+              <a:solidFill>
+                <a:srgbClr val="7030A0"/>
+              </a:solidFill>
+            </a:ln>
+          </p:spPr>
+          <p:style>
+            <a:lnRef idx="2">
+              <a:schemeClr val="accent1">
+                <a:shade val="50000"/>
+              </a:schemeClr>
+            </a:lnRef>
+            <a:fillRef idx="1">
+              <a:schemeClr val="accent1"/>
+            </a:fillRef>
+            <a:effectRef idx="0">
+              <a:schemeClr val="accent1"/>
+            </a:effectRef>
+            <a:fontRef idx="minor">
+              <a:schemeClr val="lt1"/>
+            </a:fontRef>
+          </p:style>
+          <p:txBody>
+            <a:bodyPr rtlCol="0" anchor="ctr"/>
+            <a:lstStyle/>
+            <a:p>
+              <a:pPr algn="ctr"/>
+              <a:endParaRPr lang="it-IT"/>
+            </a:p>
+          </p:txBody>
+        </p:sp>
+      </p:grpSp>
+      <p:grpSp>
+        <p:nvGrpSpPr>
+          <p:cNvPr id="22" name="Gruppo 21">
+            <a:extLst>
+              <a:ext uri="{FF2B5EF4-FFF2-40B4-BE49-F238E27FC236}">
+                <a16:creationId xmlns:a16="http://schemas.microsoft.com/office/drawing/2014/main" id="{F107565C-706D-4E40-BC5E-C9E276E53FED}"/>
+              </a:ext>
+            </a:extLst>
+          </p:cNvPr>
+          <p:cNvGrpSpPr/>
+          <p:nvPr/>
+        </p:nvGrpSpPr>
+        <p:grpSpPr>
+          <a:xfrm>
+            <a:off x="9305278" y="2632859"/>
+            <a:ext cx="1745203" cy="967667"/>
+            <a:chOff x="6736343" y="1517255"/>
+            <a:chExt cx="1745203" cy="967667"/>
+          </a:xfrm>
+        </p:grpSpPr>
+        <p:sp>
+          <p:nvSpPr>
+            <p:cNvPr id="23" name="Ovale 22">
+              <a:extLst>
+                <a:ext uri="{FF2B5EF4-FFF2-40B4-BE49-F238E27FC236}">
+                  <a16:creationId xmlns:a16="http://schemas.microsoft.com/office/drawing/2014/main" id="{296094CC-0644-41B3-9879-D4AEF6D68D50}"/>
+                </a:ext>
+              </a:extLst>
+            </p:cNvPr>
+            <p:cNvSpPr/>
+            <p:nvPr/>
+          </p:nvSpPr>
+          <p:spPr>
+            <a:xfrm>
+              <a:off x="7203161" y="1517255"/>
+              <a:ext cx="1278385" cy="967667"/>
+            </a:xfrm>
+            <a:prstGeom prst="ellipse">
+              <a:avLst/>
+            </a:prstGeom>
+            <a:gradFill flip="none" rotWithShape="1">
+              <a:gsLst>
+                <a:gs pos="0">
+                  <a:srgbClr val="FF0000">
+                    <a:tint val="66000"/>
+                    <a:satMod val="160000"/>
+                  </a:srgbClr>
+                </a:gs>
+                <a:gs pos="50000">
+                  <a:srgbClr val="FF0000">
+                    <a:tint val="44500"/>
+                    <a:satMod val="160000"/>
+                  </a:srgbClr>
+                </a:gs>
+                <a:gs pos="100000">
+                  <a:srgbClr val="FF0000">
+                    <a:tint val="23500"/>
+                    <a:satMod val="160000"/>
+                  </a:srgbClr>
+                </a:gs>
+              </a:gsLst>
+              <a:path path="circle">
+                <a:fillToRect t="100000" r="100000"/>
+              </a:path>
+              <a:tileRect l="-100000" b="-100000"/>
+            </a:gradFill>
+            <a:ln w="19050">
+              <a:solidFill>
+                <a:srgbClr val="C00000"/>
+              </a:solidFill>
+            </a:ln>
+          </p:spPr>
+          <p:style>
+            <a:lnRef idx="2">
+              <a:schemeClr val="accent1">
+                <a:shade val="50000"/>
+              </a:schemeClr>
+            </a:lnRef>
+            <a:fillRef idx="1">
+              <a:schemeClr val="accent1"/>
+            </a:fillRef>
+            <a:effectRef idx="0">
+              <a:schemeClr val="accent1"/>
+            </a:effectRef>
+            <a:fontRef idx="minor">
+              <a:schemeClr val="lt1"/>
+            </a:fontRef>
+          </p:style>
+          <p:txBody>
+            <a:bodyPr rtlCol="0" anchor="ctr"/>
+            <a:lstStyle/>
+            <a:p>
+              <a:pPr algn="ctr"/>
+              <a:r>
+                <a:rPr lang="it-IT" sz="1500" dirty="0">
+                  <a:solidFill>
+                    <a:schemeClr val="tx1"/>
+                  </a:solidFill>
+                </a:rPr>
+                <a:t>Resource model</a:t>
+              </a:r>
+            </a:p>
+          </p:txBody>
+        </p:sp>
+        <p:sp>
+          <p:nvSpPr>
+            <p:cNvPr id="24" name="Rettangolo 23">
+              <a:extLst>
+                <a:ext uri="{FF2B5EF4-FFF2-40B4-BE49-F238E27FC236}">
+                  <a16:creationId xmlns:a16="http://schemas.microsoft.com/office/drawing/2014/main" id="{56A2641F-398E-4041-88D4-B7400375EB9C}"/>
+                </a:ext>
+              </a:extLst>
+            </p:cNvPr>
+            <p:cNvSpPr/>
+            <p:nvPr/>
+          </p:nvSpPr>
+          <p:spPr>
+            <a:xfrm>
+              <a:off x="6982698" y="1761394"/>
+              <a:ext cx="220463" cy="390617"/>
+            </a:xfrm>
+            <a:prstGeom prst="rect">
+              <a:avLst/>
+            </a:prstGeom>
+            <a:gradFill flip="none" rotWithShape="1">
+              <a:gsLst>
+                <a:gs pos="0">
+                  <a:srgbClr val="7030A0">
+                    <a:tint val="66000"/>
+                    <a:satMod val="160000"/>
+                  </a:srgbClr>
+                </a:gs>
+                <a:gs pos="50000">
+                  <a:srgbClr val="7030A0">
+                    <a:tint val="44500"/>
+                    <a:satMod val="160000"/>
+                  </a:srgbClr>
+                </a:gs>
+                <a:gs pos="100000">
+                  <a:srgbClr val="7030A0">
+                    <a:tint val="23500"/>
+                    <a:satMod val="160000"/>
+                  </a:srgbClr>
+                </a:gs>
+              </a:gsLst>
+              <a:lin ang="16200000" scaled="1"/>
+              <a:tileRect/>
+            </a:gradFill>
+            <a:ln w="19050">
+              <a:solidFill>
+                <a:srgbClr val="7030A0"/>
+              </a:solidFill>
+            </a:ln>
+          </p:spPr>
+          <p:style>
+            <a:lnRef idx="2">
+              <a:schemeClr val="accent1">
+                <a:shade val="50000"/>
+              </a:schemeClr>
+            </a:lnRef>
+            <a:fillRef idx="1">
+              <a:schemeClr val="accent1"/>
+            </a:fillRef>
+            <a:effectRef idx="0">
+              <a:schemeClr val="accent1"/>
+            </a:effectRef>
+            <a:fontRef idx="minor">
+              <a:schemeClr val="lt1"/>
+            </a:fontRef>
+          </p:style>
+          <p:txBody>
+            <a:bodyPr rtlCol="0" anchor="ctr"/>
+            <a:lstStyle/>
+            <a:p>
+              <a:pPr algn="ctr"/>
+              <a:endParaRPr lang="it-IT"/>
+            </a:p>
+          </p:txBody>
+        </p:sp>
+        <p:sp>
+          <p:nvSpPr>
+            <p:cNvPr id="25" name="Rettangolo 24">
+              <a:extLst>
+                <a:ext uri="{FF2B5EF4-FFF2-40B4-BE49-F238E27FC236}">
+                  <a16:creationId xmlns:a16="http://schemas.microsoft.com/office/drawing/2014/main" id="{6D6982B9-4BCC-41D8-85E1-38FDB3ACDEB6}"/>
+                </a:ext>
+              </a:extLst>
+            </p:cNvPr>
+            <p:cNvSpPr/>
+            <p:nvPr/>
+          </p:nvSpPr>
+          <p:spPr>
+            <a:xfrm>
+              <a:off x="6736343" y="1761394"/>
+              <a:ext cx="220463" cy="390617"/>
+            </a:xfrm>
+            <a:prstGeom prst="rect">
+              <a:avLst/>
+            </a:prstGeom>
+            <a:gradFill flip="none" rotWithShape="1">
+              <a:gsLst>
+                <a:gs pos="0">
+                  <a:srgbClr val="7030A0">
+                    <a:tint val="66000"/>
+                    <a:satMod val="160000"/>
+                  </a:srgbClr>
+                </a:gs>
+                <a:gs pos="50000">
+                  <a:srgbClr val="7030A0">
+                    <a:tint val="44500"/>
+                    <a:satMod val="160000"/>
+                  </a:srgbClr>
+                </a:gs>
+                <a:gs pos="100000">
+                  <a:srgbClr val="7030A0">
+                    <a:tint val="23500"/>
+                    <a:satMod val="160000"/>
+                  </a:srgbClr>
+                </a:gs>
+              </a:gsLst>
+              <a:lin ang="16200000" scaled="1"/>
+              <a:tileRect/>
+            </a:gradFill>
+            <a:ln w="19050">
+              <a:solidFill>
+                <a:srgbClr val="7030A0"/>
+              </a:solidFill>
+            </a:ln>
+          </p:spPr>
+          <p:style>
+            <a:lnRef idx="2">
+              <a:schemeClr val="accent1">
+                <a:shade val="50000"/>
+              </a:schemeClr>
+            </a:lnRef>
+            <a:fillRef idx="1">
+              <a:schemeClr val="accent1"/>
+            </a:fillRef>
+            <a:effectRef idx="0">
+              <a:schemeClr val="accent1"/>
+            </a:effectRef>
+            <a:fontRef idx="minor">
+              <a:schemeClr val="lt1"/>
+            </a:fontRef>
+          </p:style>
+          <p:txBody>
+            <a:bodyPr rtlCol="0" anchor="ctr"/>
+            <a:lstStyle/>
+            <a:p>
+              <a:pPr algn="ctr"/>
+              <a:endParaRPr lang="it-IT"/>
+            </a:p>
+          </p:txBody>
+        </p:sp>
+      </p:grpSp>
+      <p:grpSp>
+        <p:nvGrpSpPr>
+          <p:cNvPr id="26" name="Gruppo 25">
+            <a:extLst>
+              <a:ext uri="{FF2B5EF4-FFF2-40B4-BE49-F238E27FC236}">
+                <a16:creationId xmlns:a16="http://schemas.microsoft.com/office/drawing/2014/main" id="{A4967B6D-10B6-4AFC-82CD-2896BF8F7207}"/>
+              </a:ext>
+            </a:extLst>
+          </p:cNvPr>
+          <p:cNvGrpSpPr/>
+          <p:nvPr/>
+        </p:nvGrpSpPr>
+        <p:grpSpPr>
+          <a:xfrm>
+            <a:off x="9664735" y="5417590"/>
+            <a:ext cx="1745203" cy="967667"/>
+            <a:chOff x="6736343" y="1517255"/>
+            <a:chExt cx="1745203" cy="967667"/>
+          </a:xfrm>
+        </p:grpSpPr>
+        <p:sp>
+          <p:nvSpPr>
+            <p:cNvPr id="27" name="Ovale 26">
+              <a:extLst>
+                <a:ext uri="{FF2B5EF4-FFF2-40B4-BE49-F238E27FC236}">
+                  <a16:creationId xmlns:a16="http://schemas.microsoft.com/office/drawing/2014/main" id="{E91EC129-7445-4613-828C-E940ADE26002}"/>
+                </a:ext>
+              </a:extLst>
+            </p:cNvPr>
+            <p:cNvSpPr/>
+            <p:nvPr/>
+          </p:nvSpPr>
+          <p:spPr>
+            <a:xfrm>
+              <a:off x="7203161" y="1517255"/>
+              <a:ext cx="1278385" cy="967667"/>
+            </a:xfrm>
+            <a:prstGeom prst="ellipse">
+              <a:avLst/>
+            </a:prstGeom>
+            <a:gradFill flip="none" rotWithShape="1">
+              <a:gsLst>
+                <a:gs pos="0">
+                  <a:srgbClr val="FF0000">
+                    <a:tint val="66000"/>
+                    <a:satMod val="160000"/>
+                  </a:srgbClr>
+                </a:gs>
+                <a:gs pos="50000">
+                  <a:srgbClr val="FF0000">
+                    <a:tint val="44500"/>
+                    <a:satMod val="160000"/>
+                  </a:srgbClr>
+                </a:gs>
+                <a:gs pos="100000">
+                  <a:srgbClr val="FF0000">
+                    <a:tint val="23500"/>
+                    <a:satMod val="160000"/>
+                  </a:srgbClr>
+                </a:gs>
+              </a:gsLst>
+              <a:path path="circle">
+                <a:fillToRect t="100000" r="100000"/>
+              </a:path>
+              <a:tileRect l="-100000" b="-100000"/>
+            </a:gradFill>
+            <a:ln w="19050">
+              <a:solidFill>
+                <a:srgbClr val="C00000"/>
+              </a:solidFill>
+            </a:ln>
+          </p:spPr>
+          <p:style>
+            <a:lnRef idx="2">
+              <a:schemeClr val="accent1">
+                <a:shade val="50000"/>
+              </a:schemeClr>
+            </a:lnRef>
+            <a:fillRef idx="1">
+              <a:schemeClr val="accent1"/>
+            </a:fillRef>
+            <a:effectRef idx="0">
+              <a:schemeClr val="accent1"/>
+            </a:effectRef>
+            <a:fontRef idx="minor">
+              <a:schemeClr val="lt1"/>
+            </a:fontRef>
+          </p:style>
+          <p:txBody>
+            <a:bodyPr rtlCol="0" anchor="ctr"/>
+            <a:lstStyle/>
+            <a:p>
+              <a:pPr algn="ctr"/>
+              <a:r>
+                <a:rPr lang="it-IT" dirty="0">
+                  <a:solidFill>
+                    <a:schemeClr val="tx1"/>
+                  </a:solidFill>
+                </a:rPr>
+                <a:t>kb</a:t>
+              </a:r>
+            </a:p>
+          </p:txBody>
+        </p:sp>
+        <p:sp>
+          <p:nvSpPr>
+            <p:cNvPr id="28" name="Rettangolo 27">
+              <a:extLst>
+                <a:ext uri="{FF2B5EF4-FFF2-40B4-BE49-F238E27FC236}">
+                  <a16:creationId xmlns:a16="http://schemas.microsoft.com/office/drawing/2014/main" id="{CD852A74-B180-40EA-B340-F85931F33718}"/>
+                </a:ext>
+              </a:extLst>
+            </p:cNvPr>
+            <p:cNvSpPr/>
+            <p:nvPr/>
+          </p:nvSpPr>
+          <p:spPr>
+            <a:xfrm>
+              <a:off x="6982698" y="1761394"/>
+              <a:ext cx="220463" cy="390617"/>
+            </a:xfrm>
+            <a:prstGeom prst="rect">
+              <a:avLst/>
+            </a:prstGeom>
+            <a:gradFill flip="none" rotWithShape="1">
+              <a:gsLst>
+                <a:gs pos="0">
+                  <a:srgbClr val="7030A0">
+                    <a:tint val="66000"/>
+                    <a:satMod val="160000"/>
+                  </a:srgbClr>
+                </a:gs>
+                <a:gs pos="50000">
+                  <a:srgbClr val="7030A0">
+                    <a:tint val="44500"/>
+                    <a:satMod val="160000"/>
+                  </a:srgbClr>
+                </a:gs>
+                <a:gs pos="100000">
+                  <a:srgbClr val="7030A0">
+                    <a:tint val="23500"/>
+                    <a:satMod val="160000"/>
+                  </a:srgbClr>
+                </a:gs>
+              </a:gsLst>
+              <a:lin ang="16200000" scaled="1"/>
+              <a:tileRect/>
+            </a:gradFill>
+            <a:ln w="19050">
+              <a:solidFill>
+                <a:srgbClr val="7030A0"/>
+              </a:solidFill>
+            </a:ln>
+          </p:spPr>
+          <p:style>
+            <a:lnRef idx="2">
+              <a:schemeClr val="accent1">
+                <a:shade val="50000"/>
+              </a:schemeClr>
+            </a:lnRef>
+            <a:fillRef idx="1">
+              <a:schemeClr val="accent1"/>
+            </a:fillRef>
+            <a:effectRef idx="0">
+              <a:schemeClr val="accent1"/>
+            </a:effectRef>
+            <a:fontRef idx="minor">
+              <a:schemeClr val="lt1"/>
+            </a:fontRef>
+          </p:style>
+          <p:txBody>
+            <a:bodyPr rtlCol="0" anchor="ctr"/>
+            <a:lstStyle/>
+            <a:p>
+              <a:pPr algn="ctr"/>
+              <a:endParaRPr lang="it-IT"/>
+            </a:p>
+          </p:txBody>
+        </p:sp>
+        <p:sp>
+          <p:nvSpPr>
+            <p:cNvPr id="29" name="Rettangolo 28">
+              <a:extLst>
+                <a:ext uri="{FF2B5EF4-FFF2-40B4-BE49-F238E27FC236}">
+                  <a16:creationId xmlns:a16="http://schemas.microsoft.com/office/drawing/2014/main" id="{4415461D-44F0-4FF7-AD21-C3FBEC32941D}"/>
+                </a:ext>
+              </a:extLst>
+            </p:cNvPr>
+            <p:cNvSpPr/>
+            <p:nvPr/>
+          </p:nvSpPr>
+          <p:spPr>
+            <a:xfrm>
+              <a:off x="6736343" y="1761394"/>
+              <a:ext cx="220463" cy="390617"/>
+            </a:xfrm>
+            <a:prstGeom prst="rect">
+              <a:avLst/>
+            </a:prstGeom>
+            <a:gradFill flip="none" rotWithShape="1">
+              <a:gsLst>
+                <a:gs pos="0">
+                  <a:srgbClr val="7030A0">
+                    <a:tint val="66000"/>
+                    <a:satMod val="160000"/>
+                  </a:srgbClr>
+                </a:gs>
+                <a:gs pos="50000">
+                  <a:srgbClr val="7030A0">
+                    <a:tint val="44500"/>
+                    <a:satMod val="160000"/>
+                  </a:srgbClr>
+                </a:gs>
+                <a:gs pos="100000">
+                  <a:srgbClr val="7030A0">
+                    <a:tint val="23500"/>
+                    <a:satMod val="160000"/>
+                  </a:srgbClr>
+                </a:gs>
+              </a:gsLst>
+              <a:lin ang="16200000" scaled="1"/>
+              <a:tileRect/>
+            </a:gradFill>
+            <a:ln w="19050">
+              <a:solidFill>
+                <a:srgbClr val="7030A0"/>
+              </a:solidFill>
+            </a:ln>
+          </p:spPr>
+          <p:style>
+            <a:lnRef idx="2">
+              <a:schemeClr val="accent1">
+                <a:shade val="50000"/>
+              </a:schemeClr>
+            </a:lnRef>
+            <a:fillRef idx="1">
+              <a:schemeClr val="accent1"/>
+            </a:fillRef>
+            <a:effectRef idx="0">
+              <a:schemeClr val="accent1"/>
+            </a:effectRef>
+            <a:fontRef idx="minor">
+              <a:schemeClr val="lt1"/>
+            </a:fontRef>
+          </p:style>
+          <p:txBody>
+            <a:bodyPr rtlCol="0" anchor="ctr"/>
+            <a:lstStyle/>
+            <a:p>
+              <a:pPr algn="ctr"/>
+              <a:endParaRPr lang="it-IT"/>
+            </a:p>
+          </p:txBody>
+        </p:sp>
+      </p:grpSp>
+      <p:grpSp>
+        <p:nvGrpSpPr>
+          <p:cNvPr id="30" name="Gruppo 29">
+            <a:extLst>
+              <a:ext uri="{FF2B5EF4-FFF2-40B4-BE49-F238E27FC236}">
+                <a16:creationId xmlns:a16="http://schemas.microsoft.com/office/drawing/2014/main" id="{99808BCE-A5F3-4FAE-9658-597FA4BDCB83}"/>
+              </a:ext>
+            </a:extLst>
+          </p:cNvPr>
+          <p:cNvGrpSpPr/>
+          <p:nvPr/>
+        </p:nvGrpSpPr>
+        <p:grpSpPr>
+          <a:xfrm>
+            <a:off x="5965728" y="3937338"/>
+            <a:ext cx="1745203" cy="967667"/>
+            <a:chOff x="6736343" y="1517255"/>
+            <a:chExt cx="1745203" cy="967667"/>
+          </a:xfrm>
+        </p:grpSpPr>
+        <p:sp>
+          <p:nvSpPr>
+            <p:cNvPr id="31" name="Ovale 30">
+              <a:extLst>
+                <a:ext uri="{FF2B5EF4-FFF2-40B4-BE49-F238E27FC236}">
+                  <a16:creationId xmlns:a16="http://schemas.microsoft.com/office/drawing/2014/main" id="{D7A41E9B-83C5-4763-AEB2-0A5FE59D6A74}"/>
+                </a:ext>
+              </a:extLst>
+            </p:cNvPr>
+            <p:cNvSpPr/>
+            <p:nvPr/>
+          </p:nvSpPr>
+          <p:spPr>
+            <a:xfrm>
+              <a:off x="7203161" y="1517255"/>
+              <a:ext cx="1278385" cy="967667"/>
+            </a:xfrm>
+            <a:prstGeom prst="ellipse">
+              <a:avLst/>
+            </a:prstGeom>
+            <a:gradFill flip="none" rotWithShape="1">
+              <a:gsLst>
+                <a:gs pos="0">
+                  <a:srgbClr val="FF0000">
+                    <a:tint val="66000"/>
+                    <a:satMod val="160000"/>
+                  </a:srgbClr>
+                </a:gs>
+                <a:gs pos="50000">
+                  <a:srgbClr val="FF0000">
+                    <a:tint val="44500"/>
+                    <a:satMod val="160000"/>
+                  </a:srgbClr>
+                </a:gs>
+                <a:gs pos="100000">
+                  <a:srgbClr val="FF0000">
+                    <a:tint val="23500"/>
+                    <a:satMod val="160000"/>
+                  </a:srgbClr>
+                </a:gs>
+              </a:gsLst>
+              <a:path path="circle">
+                <a:fillToRect t="100000" r="100000"/>
+              </a:path>
+              <a:tileRect l="-100000" b="-100000"/>
+            </a:gradFill>
+            <a:ln w="19050">
+              <a:solidFill>
+                <a:srgbClr val="C00000"/>
+              </a:solidFill>
+            </a:ln>
+          </p:spPr>
+          <p:style>
+            <a:lnRef idx="2">
+              <a:schemeClr val="accent1">
+                <a:shade val="50000"/>
+              </a:schemeClr>
+            </a:lnRef>
+            <a:fillRef idx="1">
+              <a:schemeClr val="accent1"/>
+            </a:fillRef>
+            <a:effectRef idx="0">
+              <a:schemeClr val="accent1"/>
+            </a:effectRef>
+            <a:fontRef idx="minor">
+              <a:schemeClr val="lt1"/>
+            </a:fontRef>
+          </p:style>
+          <p:txBody>
+            <a:bodyPr rtlCol="0" anchor="ctr"/>
+            <a:lstStyle/>
+            <a:p>
+              <a:pPr algn="ctr"/>
+              <a:r>
+                <a:rPr lang="it-IT" dirty="0">
+                  <a:solidFill>
+                    <a:schemeClr val="tx1"/>
+                  </a:solidFill>
+                </a:rPr>
+                <a:t>rbr</a:t>
+              </a:r>
+            </a:p>
+          </p:txBody>
+        </p:sp>
+        <p:sp>
+          <p:nvSpPr>
+            <p:cNvPr id="32" name="Rettangolo 31">
+              <a:extLst>
+                <a:ext uri="{FF2B5EF4-FFF2-40B4-BE49-F238E27FC236}">
+                  <a16:creationId xmlns:a16="http://schemas.microsoft.com/office/drawing/2014/main" id="{A31B9D26-6955-40C3-BFA7-BEA27A365EB6}"/>
+                </a:ext>
+              </a:extLst>
+            </p:cNvPr>
+            <p:cNvSpPr/>
+            <p:nvPr/>
+          </p:nvSpPr>
+          <p:spPr>
+            <a:xfrm>
+              <a:off x="6982698" y="1761394"/>
+              <a:ext cx="220463" cy="390617"/>
+            </a:xfrm>
+            <a:prstGeom prst="rect">
+              <a:avLst/>
+            </a:prstGeom>
+            <a:gradFill flip="none" rotWithShape="1">
+              <a:gsLst>
+                <a:gs pos="0">
+                  <a:srgbClr val="7030A0">
+                    <a:tint val="66000"/>
+                    <a:satMod val="160000"/>
+                  </a:srgbClr>
+                </a:gs>
+                <a:gs pos="50000">
+                  <a:srgbClr val="7030A0">
+                    <a:tint val="44500"/>
+                    <a:satMod val="160000"/>
+                  </a:srgbClr>
+                </a:gs>
+                <a:gs pos="100000">
+                  <a:srgbClr val="7030A0">
+                    <a:tint val="23500"/>
+                    <a:satMod val="160000"/>
+                  </a:srgbClr>
+                </a:gs>
+              </a:gsLst>
+              <a:lin ang="16200000" scaled="1"/>
+              <a:tileRect/>
+            </a:gradFill>
+            <a:ln w="19050">
+              <a:solidFill>
+                <a:srgbClr val="7030A0"/>
+              </a:solidFill>
+            </a:ln>
+          </p:spPr>
+          <p:style>
+            <a:lnRef idx="2">
+              <a:schemeClr val="accent1">
+                <a:shade val="50000"/>
+              </a:schemeClr>
+            </a:lnRef>
+            <a:fillRef idx="1">
+              <a:schemeClr val="accent1"/>
+            </a:fillRef>
+            <a:effectRef idx="0">
+              <a:schemeClr val="accent1"/>
+            </a:effectRef>
+            <a:fontRef idx="minor">
+              <a:schemeClr val="lt1"/>
+            </a:fontRef>
+          </p:style>
+          <p:txBody>
+            <a:bodyPr rtlCol="0" anchor="ctr"/>
+            <a:lstStyle/>
+            <a:p>
+              <a:pPr algn="ctr"/>
+              <a:endParaRPr lang="it-IT"/>
+            </a:p>
+          </p:txBody>
+        </p:sp>
+        <p:sp>
+          <p:nvSpPr>
+            <p:cNvPr id="33" name="Rettangolo 32">
+              <a:extLst>
+                <a:ext uri="{FF2B5EF4-FFF2-40B4-BE49-F238E27FC236}">
+                  <a16:creationId xmlns:a16="http://schemas.microsoft.com/office/drawing/2014/main" id="{8387D16D-1985-43C2-A19E-CD75EAF79660}"/>
+                </a:ext>
+              </a:extLst>
+            </p:cNvPr>
+            <p:cNvSpPr/>
+            <p:nvPr/>
+          </p:nvSpPr>
+          <p:spPr>
+            <a:xfrm>
+              <a:off x="6736343" y="1761394"/>
+              <a:ext cx="220463" cy="390617"/>
+            </a:xfrm>
+            <a:prstGeom prst="rect">
+              <a:avLst/>
+            </a:prstGeom>
+            <a:gradFill flip="none" rotWithShape="1">
+              <a:gsLst>
+                <a:gs pos="0">
+                  <a:srgbClr val="7030A0">
+                    <a:tint val="66000"/>
+                    <a:satMod val="160000"/>
+                  </a:srgbClr>
+                </a:gs>
+                <a:gs pos="50000">
+                  <a:srgbClr val="7030A0">
+                    <a:tint val="44500"/>
+                    <a:satMod val="160000"/>
+                  </a:srgbClr>
+                </a:gs>
+                <a:gs pos="100000">
+                  <a:srgbClr val="7030A0">
+                    <a:tint val="23500"/>
+                    <a:satMod val="160000"/>
+                  </a:srgbClr>
+                </a:gs>
+              </a:gsLst>
+              <a:lin ang="16200000" scaled="1"/>
+              <a:tileRect/>
+            </a:gradFill>
+            <a:ln w="19050">
+              <a:solidFill>
+                <a:srgbClr val="7030A0"/>
+              </a:solidFill>
+            </a:ln>
+          </p:spPr>
+          <p:style>
+            <a:lnRef idx="2">
+              <a:schemeClr val="accent1">
+                <a:shade val="50000"/>
+              </a:schemeClr>
+            </a:lnRef>
+            <a:fillRef idx="1">
+              <a:schemeClr val="accent1"/>
+            </a:fillRef>
+            <a:effectRef idx="0">
+              <a:schemeClr val="accent1"/>
+            </a:effectRef>
+            <a:fontRef idx="minor">
+              <a:schemeClr val="lt1"/>
+            </a:fontRef>
+          </p:style>
+          <p:txBody>
+            <a:bodyPr rtlCol="0" anchor="ctr"/>
+            <a:lstStyle/>
+            <a:p>
+              <a:pPr algn="ctr"/>
+              <a:endParaRPr lang="it-IT"/>
+            </a:p>
+          </p:txBody>
+        </p:sp>
+      </p:grpSp>
+      <p:grpSp>
+        <p:nvGrpSpPr>
+          <p:cNvPr id="34" name="Gruppo 33">
+            <a:extLst>
+              <a:ext uri="{FF2B5EF4-FFF2-40B4-BE49-F238E27FC236}">
+                <a16:creationId xmlns:a16="http://schemas.microsoft.com/office/drawing/2014/main" id="{A77921C9-D188-4FD7-BD44-583760D567C4}"/>
+              </a:ext>
+            </a:extLst>
+          </p:cNvPr>
+          <p:cNvGrpSpPr/>
+          <p:nvPr/>
+        </p:nvGrpSpPr>
+        <p:grpSpPr>
+          <a:xfrm>
+            <a:off x="5846203" y="1173858"/>
+            <a:ext cx="1745203" cy="967667"/>
+            <a:chOff x="6736343" y="1517255"/>
+            <a:chExt cx="1745203" cy="967667"/>
+          </a:xfrm>
+        </p:grpSpPr>
+        <p:sp>
+          <p:nvSpPr>
+            <p:cNvPr id="35" name="Ovale 34">
+              <a:extLst>
+                <a:ext uri="{FF2B5EF4-FFF2-40B4-BE49-F238E27FC236}">
+                  <a16:creationId xmlns:a16="http://schemas.microsoft.com/office/drawing/2014/main" id="{BDA3C26F-0C2F-4641-B17C-BF2BA82C6E0F}"/>
+                </a:ext>
+              </a:extLst>
+            </p:cNvPr>
+            <p:cNvSpPr/>
+            <p:nvPr/>
+          </p:nvSpPr>
+          <p:spPr>
+            <a:xfrm>
+              <a:off x="7203161" y="1517255"/>
+              <a:ext cx="1278385" cy="967667"/>
+            </a:xfrm>
+            <a:prstGeom prst="ellipse">
+              <a:avLst/>
+            </a:prstGeom>
+            <a:gradFill flip="none" rotWithShape="1">
+              <a:gsLst>
+                <a:gs pos="0">
+                  <a:srgbClr val="FF0000">
+                    <a:tint val="66000"/>
+                    <a:satMod val="160000"/>
+                  </a:srgbClr>
+                </a:gs>
+                <a:gs pos="50000">
+                  <a:srgbClr val="FF0000">
+                    <a:tint val="44500"/>
+                    <a:satMod val="160000"/>
+                  </a:srgbClr>
+                </a:gs>
+                <a:gs pos="100000">
+                  <a:srgbClr val="FF0000">
+                    <a:tint val="23500"/>
+                    <a:satMod val="160000"/>
+                  </a:srgbClr>
+                </a:gs>
+              </a:gsLst>
+              <a:path path="circle">
+                <a:fillToRect t="100000" r="100000"/>
+              </a:path>
+              <a:tileRect l="-100000" b="-100000"/>
+            </a:gradFill>
+            <a:ln w="19050">
+              <a:solidFill>
+                <a:srgbClr val="C00000"/>
+              </a:solidFill>
+            </a:ln>
+          </p:spPr>
+          <p:style>
+            <a:lnRef idx="2">
+              <a:schemeClr val="accent1">
+                <a:shade val="50000"/>
+              </a:schemeClr>
+            </a:lnRef>
+            <a:fillRef idx="1">
+              <a:schemeClr val="accent1"/>
+            </a:fillRef>
+            <a:effectRef idx="0">
+              <a:schemeClr val="accent1"/>
+            </a:effectRef>
+            <a:fontRef idx="minor">
+              <a:schemeClr val="lt1"/>
+            </a:fontRef>
+          </p:style>
+          <p:txBody>
+            <a:bodyPr rtlCol="0" anchor="ctr"/>
+            <a:lstStyle/>
+            <a:p>
+              <a:pPr algn="ctr"/>
+              <a:r>
+                <a:rPr lang="it-IT" dirty="0">
+                  <a:solidFill>
+                    <a:schemeClr val="tx1"/>
+                  </a:solidFill>
+                </a:rPr>
+                <a:t>Robot mind</a:t>
+              </a:r>
+            </a:p>
+          </p:txBody>
+        </p:sp>
+        <p:sp>
+          <p:nvSpPr>
+            <p:cNvPr id="36" name="Rettangolo 35">
+              <a:extLst>
+                <a:ext uri="{FF2B5EF4-FFF2-40B4-BE49-F238E27FC236}">
+                  <a16:creationId xmlns:a16="http://schemas.microsoft.com/office/drawing/2014/main" id="{63B1EABA-9AEA-4207-984E-CECC2F0C4C72}"/>
+                </a:ext>
+              </a:extLst>
+            </p:cNvPr>
+            <p:cNvSpPr/>
+            <p:nvPr/>
+          </p:nvSpPr>
+          <p:spPr>
+            <a:xfrm>
+              <a:off x="6982698" y="1761394"/>
+              <a:ext cx="220463" cy="390617"/>
+            </a:xfrm>
+            <a:prstGeom prst="rect">
+              <a:avLst/>
+            </a:prstGeom>
+            <a:gradFill flip="none" rotWithShape="1">
+              <a:gsLst>
+                <a:gs pos="0">
+                  <a:srgbClr val="7030A0">
+                    <a:tint val="66000"/>
+                    <a:satMod val="160000"/>
+                  </a:srgbClr>
+                </a:gs>
+                <a:gs pos="50000">
+                  <a:srgbClr val="7030A0">
+                    <a:tint val="44500"/>
+                    <a:satMod val="160000"/>
+                  </a:srgbClr>
+                </a:gs>
+                <a:gs pos="100000">
+                  <a:srgbClr val="7030A0">
+                    <a:tint val="23500"/>
+                    <a:satMod val="160000"/>
+                  </a:srgbClr>
+                </a:gs>
+              </a:gsLst>
+              <a:lin ang="16200000" scaled="1"/>
+              <a:tileRect/>
+            </a:gradFill>
+            <a:ln w="19050">
+              <a:solidFill>
+                <a:srgbClr val="7030A0"/>
+              </a:solidFill>
+            </a:ln>
+          </p:spPr>
+          <p:style>
+            <a:lnRef idx="2">
+              <a:schemeClr val="accent1">
+                <a:shade val="50000"/>
+              </a:schemeClr>
+            </a:lnRef>
+            <a:fillRef idx="1">
+              <a:schemeClr val="accent1"/>
+            </a:fillRef>
+            <a:effectRef idx="0">
+              <a:schemeClr val="accent1"/>
+            </a:effectRef>
+            <a:fontRef idx="minor">
+              <a:schemeClr val="lt1"/>
+            </a:fontRef>
+          </p:style>
+          <p:txBody>
+            <a:bodyPr rtlCol="0" anchor="ctr"/>
+            <a:lstStyle/>
+            <a:p>
+              <a:pPr algn="ctr"/>
+              <a:endParaRPr lang="it-IT"/>
+            </a:p>
+          </p:txBody>
+        </p:sp>
+        <p:sp>
+          <p:nvSpPr>
+            <p:cNvPr id="37" name="Rettangolo 36">
+              <a:extLst>
+                <a:ext uri="{FF2B5EF4-FFF2-40B4-BE49-F238E27FC236}">
+                  <a16:creationId xmlns:a16="http://schemas.microsoft.com/office/drawing/2014/main" id="{979FBA40-2B55-446A-B6CF-17F147028547}"/>
+                </a:ext>
+              </a:extLst>
+            </p:cNvPr>
+            <p:cNvSpPr/>
+            <p:nvPr/>
+          </p:nvSpPr>
+          <p:spPr>
+            <a:xfrm>
+              <a:off x="6736343" y="1761394"/>
+              <a:ext cx="220463" cy="390617"/>
+            </a:xfrm>
+            <a:prstGeom prst="rect">
+              <a:avLst/>
+            </a:prstGeom>
+            <a:gradFill flip="none" rotWithShape="1">
+              <a:gsLst>
+                <a:gs pos="0">
+                  <a:srgbClr val="7030A0">
+                    <a:tint val="66000"/>
+                    <a:satMod val="160000"/>
+                  </a:srgbClr>
+                </a:gs>
+                <a:gs pos="50000">
+                  <a:srgbClr val="7030A0">
+                    <a:tint val="44500"/>
+                    <a:satMod val="160000"/>
+                  </a:srgbClr>
+                </a:gs>
+                <a:gs pos="100000">
+                  <a:srgbClr val="7030A0">
+                    <a:tint val="23500"/>
+                    <a:satMod val="160000"/>
+                  </a:srgbClr>
+                </a:gs>
+              </a:gsLst>
+              <a:lin ang="16200000" scaled="1"/>
+              <a:tileRect/>
+            </a:gradFill>
+            <a:ln w="19050">
+              <a:solidFill>
+                <a:srgbClr val="7030A0"/>
+              </a:solidFill>
+            </a:ln>
+          </p:spPr>
+          <p:style>
+            <a:lnRef idx="2">
+              <a:schemeClr val="accent1">
+                <a:shade val="50000"/>
+              </a:schemeClr>
+            </a:lnRef>
+            <a:fillRef idx="1">
+              <a:schemeClr val="accent1"/>
+            </a:fillRef>
+            <a:effectRef idx="0">
+              <a:schemeClr val="accent1"/>
+            </a:effectRef>
+            <a:fontRef idx="minor">
+              <a:schemeClr val="lt1"/>
+            </a:fontRef>
+          </p:style>
+          <p:txBody>
+            <a:bodyPr rtlCol="0" anchor="ctr"/>
+            <a:lstStyle/>
+            <a:p>
+              <a:pPr algn="ctr"/>
+              <a:endParaRPr lang="it-IT"/>
+            </a:p>
+          </p:txBody>
+        </p:sp>
+      </p:grpSp>
+      <p:cxnSp>
+        <p:nvCxnSpPr>
+          <p:cNvPr id="3" name="Connettore a gomito 2">
+            <a:extLst>
+              <a:ext uri="{FF2B5EF4-FFF2-40B4-BE49-F238E27FC236}">
+                <a16:creationId xmlns:a16="http://schemas.microsoft.com/office/drawing/2014/main" id="{68C87003-986C-4C5B-98B0-DB9A6F19125C}"/>
+              </a:ext>
+            </a:extLst>
+          </p:cNvPr>
+          <p:cNvCxnSpPr>
+            <a:cxnSpLocks/>
+            <a:stCxn id="7" idx="6"/>
+            <a:endCxn id="21" idx="1"/>
+          </p:cNvCxnSpPr>
+          <p:nvPr/>
+        </p:nvCxnSpPr>
+        <p:spPr>
+          <a:xfrm flipH="1">
+            <a:off x="887904" y="1916674"/>
+            <a:ext cx="1922452" cy="3695004"/>
+          </a:xfrm>
+          <a:prstGeom prst="bentConnector5">
+            <a:avLst>
+              <a:gd name="adj1" fmla="val -11891"/>
+              <a:gd name="adj2" fmla="val 46686"/>
+              <a:gd name="adj3" fmla="val 121140"/>
+            </a:avLst>
+          </a:prstGeom>
+          <a:ln w="19050">
+            <a:solidFill>
+              <a:srgbClr val="00B050"/>
+            </a:solidFill>
+            <a:tailEnd type="triangle"/>
+          </a:ln>
+        </p:spPr>
+        <p:style>
+          <a:lnRef idx="1">
+            <a:schemeClr val="dk1"/>
+          </a:lnRef>
+          <a:fillRef idx="0">
+            <a:schemeClr val="dk1"/>
+          </a:fillRef>
+          <a:effectRef idx="0">
+            <a:schemeClr val="dk1"/>
+          </a:effectRef>
+          <a:fontRef idx="minor">
+            <a:schemeClr val="tx1"/>
+          </a:fontRef>
+        </p:style>
+      </p:cxnSp>
+      <p:cxnSp>
+        <p:nvCxnSpPr>
+          <p:cNvPr id="40" name="Connettore a gomito 39">
+            <a:extLst>
+              <a:ext uri="{FF2B5EF4-FFF2-40B4-BE49-F238E27FC236}">
+                <a16:creationId xmlns:a16="http://schemas.microsoft.com/office/drawing/2014/main" id="{AD6CA4D9-E655-42F1-8C11-2BE1CF4F32AB}"/>
+              </a:ext>
+            </a:extLst>
+          </p:cNvPr>
+          <p:cNvCxnSpPr>
+            <a:cxnSpLocks/>
+            <a:stCxn id="31" idx="6"/>
+            <a:endCxn id="21" idx="1"/>
+          </p:cNvCxnSpPr>
+          <p:nvPr/>
+        </p:nvCxnSpPr>
+        <p:spPr>
+          <a:xfrm flipH="1">
+            <a:off x="887904" y="4421172"/>
+            <a:ext cx="6823027" cy="1190506"/>
+          </a:xfrm>
+          <a:prstGeom prst="bentConnector5">
+            <a:avLst>
+              <a:gd name="adj1" fmla="val -3350"/>
+              <a:gd name="adj2" fmla="val 159550"/>
+              <a:gd name="adj3" fmla="val 105708"/>
+            </a:avLst>
+          </a:prstGeom>
+          <a:ln w="19050">
+            <a:solidFill>
+              <a:srgbClr val="00B050"/>
+            </a:solidFill>
+            <a:tailEnd type="triangle"/>
+          </a:ln>
+        </p:spPr>
+        <p:style>
+          <a:lnRef idx="1">
+            <a:schemeClr val="dk1"/>
+          </a:lnRef>
+          <a:fillRef idx="0">
+            <a:schemeClr val="dk1"/>
+          </a:fillRef>
+          <a:effectRef idx="0">
+            <a:schemeClr val="dk1"/>
+          </a:effectRef>
+          <a:fontRef idx="minor">
+            <a:schemeClr val="tx1"/>
+          </a:fontRef>
+        </p:style>
+      </p:cxnSp>
+      <p:sp>
+        <p:nvSpPr>
+          <p:cNvPr id="46" name="CasellaDiTesto 45">
+            <a:extLst>
+              <a:ext uri="{FF2B5EF4-FFF2-40B4-BE49-F238E27FC236}">
+                <a16:creationId xmlns:a16="http://schemas.microsoft.com/office/drawing/2014/main" id="{2AFADD59-3676-444C-A776-4AA959F109C5}"/>
+              </a:ext>
+            </a:extLst>
+          </p:cNvPr>
+          <p:cNvSpPr txBox="1"/>
+          <p:nvPr/>
+        </p:nvSpPr>
+        <p:spPr>
+          <a:xfrm>
+            <a:off x="4042123" y="5390655"/>
+            <a:ext cx="710745" cy="523220"/>
+          </a:xfrm>
+          <a:prstGeom prst="rect">
+            <a:avLst/>
+          </a:prstGeom>
+          <a:noFill/>
+        </p:spPr>
+        <p:txBody>
+          <a:bodyPr wrap="square" rtlCol="0">
+            <a:spAutoFit/>
+          </a:bodyPr>
+          <a:lstStyle/>
+          <a:p>
+            <a:r>
+              <a:rPr lang="it-IT" sz="1400" b="1" dirty="0">
+                <a:solidFill>
+                  <a:srgbClr val="00B050"/>
+                </a:solidFill>
+              </a:rPr>
+              <a:t>yes/no</a:t>
+            </a:r>
+          </a:p>
+          <a:p>
+            <a:r>
+              <a:rPr lang="it-IT" sz="1400" b="1" dirty="0">
+                <a:solidFill>
+                  <a:srgbClr val="00B050"/>
+                </a:solidFill>
+              </a:rPr>
+              <a:t>(CoAP)</a:t>
+            </a:r>
+          </a:p>
+        </p:txBody>
+      </p:sp>
+      <p:sp>
+        <p:nvSpPr>
+          <p:cNvPr id="47" name="CasellaDiTesto 46">
+            <a:extLst>
+              <a:ext uri="{FF2B5EF4-FFF2-40B4-BE49-F238E27FC236}">
+                <a16:creationId xmlns:a16="http://schemas.microsoft.com/office/drawing/2014/main" id="{6C519B55-AF65-4A06-8E3C-B5CC746CDA83}"/>
+              </a:ext>
+            </a:extLst>
+          </p:cNvPr>
+          <p:cNvSpPr txBox="1"/>
+          <p:nvPr/>
+        </p:nvSpPr>
+        <p:spPr>
+          <a:xfrm>
+            <a:off x="702554" y="3268544"/>
+            <a:ext cx="2019178" cy="307777"/>
+          </a:xfrm>
+          <a:prstGeom prst="rect">
+            <a:avLst/>
+          </a:prstGeom>
+          <a:noFill/>
+        </p:spPr>
+        <p:txBody>
+          <a:bodyPr wrap="square" rtlCol="0">
+            <a:spAutoFit/>
+          </a:bodyPr>
+          <a:lstStyle/>
+          <a:p>
+            <a:r>
+              <a:rPr lang="it-IT" sz="1400" b="1" dirty="0">
+                <a:solidFill>
+                  <a:srgbClr val="00B050"/>
+                </a:solidFill>
+              </a:rPr>
+              <a:t>expose/answer (CoAP)</a:t>
+            </a:r>
+          </a:p>
+        </p:txBody>
+      </p:sp>
+      <p:cxnSp>
+        <p:nvCxnSpPr>
+          <p:cNvPr id="52" name="Connettore a gomito 51">
+            <a:extLst>
+              <a:ext uri="{FF2B5EF4-FFF2-40B4-BE49-F238E27FC236}">
+                <a16:creationId xmlns:a16="http://schemas.microsoft.com/office/drawing/2014/main" id="{59A1B706-1C72-4CFD-94E1-D608F2B7140E}"/>
+              </a:ext>
+            </a:extLst>
+          </p:cNvPr>
+          <p:cNvCxnSpPr>
+            <a:cxnSpLocks/>
+            <a:stCxn id="19" idx="6"/>
+            <a:endCxn id="9" idx="1"/>
+          </p:cNvCxnSpPr>
+          <p:nvPr/>
+        </p:nvCxnSpPr>
+        <p:spPr>
+          <a:xfrm flipH="1" flipV="1">
+            <a:off x="1065153" y="1872288"/>
+            <a:ext cx="1567954" cy="3783776"/>
+          </a:xfrm>
+          <a:prstGeom prst="bentConnector5">
+            <a:avLst>
+              <a:gd name="adj1" fmla="val -70738"/>
+              <a:gd name="adj2" fmla="val 139990"/>
+              <a:gd name="adj3" fmla="val 114580"/>
+            </a:avLst>
+          </a:prstGeom>
+          <a:ln w="19050">
+            <a:solidFill>
+              <a:srgbClr val="00B050"/>
+            </a:solidFill>
+            <a:tailEnd type="triangle"/>
+          </a:ln>
+        </p:spPr>
+        <p:style>
+          <a:lnRef idx="1">
+            <a:schemeClr val="dk1"/>
+          </a:lnRef>
+          <a:fillRef idx="0">
+            <a:schemeClr val="dk1"/>
+          </a:fillRef>
+          <a:effectRef idx="0">
+            <a:schemeClr val="dk1"/>
+          </a:effectRef>
+          <a:fontRef idx="minor">
+            <a:schemeClr val="tx1"/>
+          </a:fontRef>
+        </p:style>
+      </p:cxnSp>
+      <p:cxnSp>
+        <p:nvCxnSpPr>
+          <p:cNvPr id="58" name="Connettore a gomito 57">
+            <a:extLst>
+              <a:ext uri="{FF2B5EF4-FFF2-40B4-BE49-F238E27FC236}">
+                <a16:creationId xmlns:a16="http://schemas.microsoft.com/office/drawing/2014/main" id="{E56DE36D-CA72-4126-9978-EA2BD3865019}"/>
+              </a:ext>
+            </a:extLst>
+          </p:cNvPr>
+          <p:cNvCxnSpPr>
+            <a:cxnSpLocks/>
+            <a:stCxn id="19" idx="6"/>
+            <a:endCxn id="33" idx="2"/>
+          </p:cNvCxnSpPr>
+          <p:nvPr/>
+        </p:nvCxnSpPr>
+        <p:spPr>
+          <a:xfrm flipV="1">
+            <a:off x="2633107" y="4572094"/>
+            <a:ext cx="3442853" cy="1083970"/>
+          </a:xfrm>
+          <a:prstGeom prst="bentConnector2">
+            <a:avLst/>
+          </a:prstGeom>
+          <a:ln w="19050">
+            <a:solidFill>
+              <a:srgbClr val="00B050"/>
+            </a:solidFill>
+            <a:tailEnd type="triangle"/>
+          </a:ln>
+        </p:spPr>
+        <p:style>
+          <a:lnRef idx="1">
+            <a:schemeClr val="dk1"/>
+          </a:lnRef>
+          <a:fillRef idx="0">
+            <a:schemeClr val="dk1"/>
+          </a:fillRef>
+          <a:effectRef idx="0">
+            <a:schemeClr val="dk1"/>
+          </a:effectRef>
+          <a:fontRef idx="minor">
+            <a:schemeClr val="tx1"/>
+          </a:fontRef>
+        </p:style>
+      </p:cxnSp>
+      <p:cxnSp>
+        <p:nvCxnSpPr>
+          <p:cNvPr id="70" name="Connettore a gomito 69">
+            <a:extLst>
+              <a:ext uri="{FF2B5EF4-FFF2-40B4-BE49-F238E27FC236}">
+                <a16:creationId xmlns:a16="http://schemas.microsoft.com/office/drawing/2014/main" id="{DD4D383B-AB17-4775-AABE-38237B1D717C}"/>
+              </a:ext>
+            </a:extLst>
+          </p:cNvPr>
+          <p:cNvCxnSpPr>
+            <a:cxnSpLocks/>
+            <a:stCxn id="31" idx="6"/>
+            <a:endCxn id="21" idx="1"/>
+          </p:cNvCxnSpPr>
+          <p:nvPr/>
+        </p:nvCxnSpPr>
+        <p:spPr>
+          <a:xfrm flipH="1">
+            <a:off x="887904" y="4421172"/>
+            <a:ext cx="6823027" cy="1190506"/>
+          </a:xfrm>
+          <a:prstGeom prst="bentConnector5">
+            <a:avLst>
+              <a:gd name="adj1" fmla="val -8794"/>
+              <a:gd name="adj2" fmla="val 194398"/>
+              <a:gd name="adj3" fmla="val 103350"/>
+            </a:avLst>
+          </a:prstGeom>
+          <a:ln>
+            <a:tailEnd type="triangle"/>
+          </a:ln>
+        </p:spPr>
+        <p:style>
+          <a:lnRef idx="1">
+            <a:schemeClr val="dk1"/>
+          </a:lnRef>
+          <a:fillRef idx="0">
+            <a:schemeClr val="dk1"/>
+          </a:fillRef>
+          <a:effectRef idx="0">
+            <a:schemeClr val="dk1"/>
+          </a:effectRef>
+          <a:fontRef idx="minor">
+            <a:schemeClr val="tx1"/>
+          </a:fontRef>
+        </p:style>
+      </p:cxnSp>
+      <p:sp>
+        <p:nvSpPr>
+          <p:cNvPr id="71" name="CasellaDiTesto 70">
+            <a:extLst>
+              <a:ext uri="{FF2B5EF4-FFF2-40B4-BE49-F238E27FC236}">
+                <a16:creationId xmlns:a16="http://schemas.microsoft.com/office/drawing/2014/main" id="{1BE2D430-0DF9-4499-9A86-9A1E358FEB22}"/>
+              </a:ext>
+            </a:extLst>
+          </p:cNvPr>
+          <p:cNvSpPr txBox="1"/>
+          <p:nvPr/>
+        </p:nvSpPr>
+        <p:spPr>
+          <a:xfrm>
+            <a:off x="4374654" y="6435651"/>
+            <a:ext cx="1786854" cy="307777"/>
+          </a:xfrm>
+          <a:prstGeom prst="rect">
+            <a:avLst/>
+          </a:prstGeom>
+          <a:noFill/>
+        </p:spPr>
+        <p:txBody>
+          <a:bodyPr wrap="square" rtlCol="0">
+            <a:spAutoFit/>
+          </a:bodyPr>
+          <a:lstStyle/>
+          <a:p>
+            <a:r>
+              <a:rPr lang="it-IT" sz="1400" b="1" dirty="0"/>
+              <a:t>updateFridge</a:t>
+            </a:r>
+          </a:p>
+        </p:txBody>
+      </p:sp>
+      <p:sp>
+        <p:nvSpPr>
+          <p:cNvPr id="72" name="CasellaDiTesto 71">
+            <a:extLst>
+              <a:ext uri="{FF2B5EF4-FFF2-40B4-BE49-F238E27FC236}">
+                <a16:creationId xmlns:a16="http://schemas.microsoft.com/office/drawing/2014/main" id="{39F49EF8-E58A-4A1B-8B90-5FBE6AD11C3B}"/>
+              </a:ext>
+            </a:extLst>
+          </p:cNvPr>
+          <p:cNvSpPr txBox="1"/>
+          <p:nvPr/>
+        </p:nvSpPr>
+        <p:spPr>
+          <a:xfrm>
+            <a:off x="3746377" y="5985208"/>
+            <a:ext cx="1421241" cy="307777"/>
+          </a:xfrm>
+          <a:prstGeom prst="rect">
+            <a:avLst/>
+          </a:prstGeom>
+          <a:noFill/>
+        </p:spPr>
+        <p:txBody>
+          <a:bodyPr wrap="square" rtlCol="0">
+            <a:spAutoFit/>
+          </a:bodyPr>
+          <a:lstStyle/>
+          <a:p>
+            <a:r>
+              <a:rPr lang="it-IT" sz="1400" b="1" dirty="0">
+                <a:solidFill>
+                  <a:srgbClr val="00B050"/>
+                </a:solidFill>
+              </a:rPr>
+              <a:t>answer (CoAP)</a:t>
+            </a:r>
+          </a:p>
+        </p:txBody>
+      </p:sp>
+      <p:sp>
+        <p:nvSpPr>
+          <p:cNvPr id="73" name="CasellaDiTesto 72">
+            <a:extLst>
+              <a:ext uri="{FF2B5EF4-FFF2-40B4-BE49-F238E27FC236}">
+                <a16:creationId xmlns:a16="http://schemas.microsoft.com/office/drawing/2014/main" id="{1E49BEF2-9AE6-4AAC-A379-A85D4C2668B4}"/>
+              </a:ext>
+            </a:extLst>
+          </p:cNvPr>
+          <p:cNvSpPr txBox="1"/>
+          <p:nvPr/>
+        </p:nvSpPr>
+        <p:spPr>
+          <a:xfrm>
+            <a:off x="3690417" y="4633153"/>
+            <a:ext cx="1486003" cy="523220"/>
+          </a:xfrm>
+          <a:prstGeom prst="rect">
+            <a:avLst/>
+          </a:prstGeom>
+          <a:noFill/>
+        </p:spPr>
+        <p:txBody>
+          <a:bodyPr wrap="square" rtlCol="0">
+            <a:spAutoFit/>
+          </a:bodyPr>
+          <a:lstStyle/>
+          <a:p>
+            <a:r>
+              <a:rPr lang="it-IT" sz="1400" b="1" dirty="0">
+                <a:solidFill>
+                  <a:srgbClr val="00B050"/>
+                </a:solidFill>
+              </a:rPr>
+              <a:t>yes/no/content</a:t>
+            </a:r>
+          </a:p>
+          <a:p>
+            <a:r>
+              <a:rPr lang="it-IT" sz="1400" b="1" dirty="0">
+                <a:solidFill>
+                  <a:srgbClr val="00B050"/>
+                </a:solidFill>
+              </a:rPr>
+              <a:t>(CoAP)</a:t>
+            </a:r>
+          </a:p>
+        </p:txBody>
+      </p:sp>
+      <p:cxnSp>
+        <p:nvCxnSpPr>
+          <p:cNvPr id="91" name="Connettore a gomito 90">
+            <a:extLst>
+              <a:ext uri="{FF2B5EF4-FFF2-40B4-BE49-F238E27FC236}">
+                <a16:creationId xmlns:a16="http://schemas.microsoft.com/office/drawing/2014/main" id="{3C863BFB-65F6-40F9-A824-F7EB4FDD5184}"/>
+              </a:ext>
+            </a:extLst>
+          </p:cNvPr>
+          <p:cNvCxnSpPr>
+            <a:cxnSpLocks/>
+            <a:stCxn id="35" idx="6"/>
+            <a:endCxn id="15" idx="1"/>
+          </p:cNvCxnSpPr>
+          <p:nvPr/>
+        </p:nvCxnSpPr>
+        <p:spPr>
+          <a:xfrm flipV="1">
+            <a:off x="7591406" y="1656368"/>
+            <a:ext cx="1649308" cy="1324"/>
+          </a:xfrm>
+          <a:prstGeom prst="bentConnector3">
+            <a:avLst>
+              <a:gd name="adj1" fmla="val 50000"/>
+            </a:avLst>
+          </a:prstGeom>
+          <a:ln>
+            <a:tailEnd type="triangle"/>
+          </a:ln>
+        </p:spPr>
+        <p:style>
+          <a:lnRef idx="1">
+            <a:schemeClr val="dk1"/>
+          </a:lnRef>
+          <a:fillRef idx="0">
+            <a:schemeClr val="dk1"/>
+          </a:fillRef>
+          <a:effectRef idx="0">
+            <a:schemeClr val="dk1"/>
+          </a:effectRef>
+          <a:fontRef idx="minor">
+            <a:schemeClr val="tx1"/>
+          </a:fontRef>
+        </p:style>
+      </p:cxnSp>
+      <p:sp>
+        <p:nvSpPr>
+          <p:cNvPr id="96" name="CasellaDiTesto 95">
+            <a:extLst>
+              <a:ext uri="{FF2B5EF4-FFF2-40B4-BE49-F238E27FC236}">
+                <a16:creationId xmlns:a16="http://schemas.microsoft.com/office/drawing/2014/main" id="{073ED177-EFF1-4C68-B1C8-27D31A6F660F}"/>
+              </a:ext>
+            </a:extLst>
+          </p:cNvPr>
+          <p:cNvSpPr txBox="1"/>
+          <p:nvPr/>
+        </p:nvSpPr>
+        <p:spPr>
+          <a:xfrm>
+            <a:off x="7920678" y="1390240"/>
+            <a:ext cx="1786854" cy="307777"/>
+          </a:xfrm>
+          <a:prstGeom prst="rect">
+            <a:avLst/>
+          </a:prstGeom>
+          <a:noFill/>
+        </p:spPr>
+        <p:txBody>
+          <a:bodyPr wrap="square" rtlCol="0">
+            <a:spAutoFit/>
+          </a:bodyPr>
+          <a:lstStyle/>
+          <a:p>
+            <a:r>
+              <a:rPr lang="it-IT" sz="1400" b="1" dirty="0"/>
+              <a:t>robotCmd</a:t>
+            </a:r>
+          </a:p>
+        </p:txBody>
+      </p:sp>
+      <p:sp>
+        <p:nvSpPr>
+          <p:cNvPr id="98" name="CasellaDiTesto 97">
+            <a:extLst>
+              <a:ext uri="{FF2B5EF4-FFF2-40B4-BE49-F238E27FC236}">
+                <a16:creationId xmlns:a16="http://schemas.microsoft.com/office/drawing/2014/main" id="{1C1F5A0F-EACC-4B60-A175-FC2FFF43F5A5}"/>
+              </a:ext>
+            </a:extLst>
+          </p:cNvPr>
+          <p:cNvSpPr txBox="1"/>
+          <p:nvPr/>
+        </p:nvSpPr>
+        <p:spPr>
+          <a:xfrm>
+            <a:off x="7751576" y="2072829"/>
+            <a:ext cx="1786854" cy="523220"/>
+          </a:xfrm>
+          <a:prstGeom prst="rect">
+            <a:avLst/>
+          </a:prstGeom>
+          <a:noFill/>
+        </p:spPr>
+        <p:txBody>
+          <a:bodyPr wrap="square" rtlCol="0">
+            <a:spAutoFit/>
+          </a:bodyPr>
+          <a:lstStyle/>
+          <a:p>
+            <a:r>
+              <a:rPr lang="it-IT" sz="1400" b="1" dirty="0"/>
+              <a:t>modelUpdate</a:t>
+            </a:r>
+          </a:p>
+          <a:p>
+            <a:r>
+              <a:rPr lang="it-IT" sz="1400" b="1" dirty="0"/>
+              <a:t>modelChange</a:t>
+            </a:r>
+          </a:p>
+        </p:txBody>
+      </p:sp>
+      <p:cxnSp>
+        <p:nvCxnSpPr>
+          <p:cNvPr id="100" name="Connettore a gomito 99">
+            <a:extLst>
+              <a:ext uri="{FF2B5EF4-FFF2-40B4-BE49-F238E27FC236}">
+                <a16:creationId xmlns:a16="http://schemas.microsoft.com/office/drawing/2014/main" id="{62697AA4-FEAF-4792-ACC6-572DEFE309A5}"/>
+              </a:ext>
+            </a:extLst>
+          </p:cNvPr>
+          <p:cNvCxnSpPr>
+            <a:cxnSpLocks/>
+            <a:stCxn id="111" idx="3"/>
+            <a:endCxn id="25" idx="1"/>
+          </p:cNvCxnSpPr>
+          <p:nvPr/>
+        </p:nvCxnSpPr>
+        <p:spPr>
+          <a:xfrm flipV="1">
+            <a:off x="6394684" y="3072307"/>
+            <a:ext cx="2910594" cy="296462"/>
+          </a:xfrm>
+          <a:prstGeom prst="bentConnector3">
+            <a:avLst>
+              <a:gd name="adj1" fmla="val 50000"/>
+            </a:avLst>
+          </a:prstGeom>
+          <a:ln>
+            <a:tailEnd type="triangle"/>
+          </a:ln>
+        </p:spPr>
+        <p:style>
+          <a:lnRef idx="1">
+            <a:schemeClr val="dk1"/>
+          </a:lnRef>
+          <a:fillRef idx="0">
+            <a:schemeClr val="dk1"/>
+          </a:fillRef>
+          <a:effectRef idx="0">
+            <a:schemeClr val="dk1"/>
+          </a:effectRef>
+          <a:fontRef idx="minor">
+            <a:schemeClr val="tx1"/>
+          </a:fontRef>
+        </p:style>
+      </p:cxnSp>
+      <p:cxnSp>
+        <p:nvCxnSpPr>
+          <p:cNvPr id="102" name="Connettore a gomito 101">
+            <a:extLst>
+              <a:ext uri="{FF2B5EF4-FFF2-40B4-BE49-F238E27FC236}">
+                <a16:creationId xmlns:a16="http://schemas.microsoft.com/office/drawing/2014/main" id="{6AB8763A-0CC9-4A60-B2CD-BF76104B0A9C}"/>
+              </a:ext>
+            </a:extLst>
+          </p:cNvPr>
+          <p:cNvCxnSpPr>
+            <a:cxnSpLocks/>
+            <a:stCxn id="35" idx="6"/>
+            <a:endCxn id="25" idx="1"/>
+          </p:cNvCxnSpPr>
+          <p:nvPr/>
+        </p:nvCxnSpPr>
+        <p:spPr>
+          <a:xfrm>
+            <a:off x="7591406" y="1657692"/>
+            <a:ext cx="1713872" cy="1414615"/>
+          </a:xfrm>
+          <a:prstGeom prst="bentConnector3">
+            <a:avLst>
+              <a:gd name="adj1" fmla="val 9985"/>
+            </a:avLst>
+          </a:prstGeom>
+          <a:ln>
+            <a:tailEnd type="triangle"/>
+          </a:ln>
+        </p:spPr>
+        <p:style>
+          <a:lnRef idx="1">
+            <a:schemeClr val="dk1"/>
+          </a:lnRef>
+          <a:fillRef idx="0">
+            <a:schemeClr val="dk1"/>
+          </a:fillRef>
+          <a:effectRef idx="0">
+            <a:schemeClr val="dk1"/>
+          </a:effectRef>
+          <a:fontRef idx="minor">
+            <a:schemeClr val="tx1"/>
+          </a:fontRef>
+        </p:style>
+      </p:cxnSp>
+      <p:sp>
+        <p:nvSpPr>
+          <p:cNvPr id="111" name="Rettangolo 110">
+            <a:extLst>
+              <a:ext uri="{FF2B5EF4-FFF2-40B4-BE49-F238E27FC236}">
+                <a16:creationId xmlns:a16="http://schemas.microsoft.com/office/drawing/2014/main" id="{0384BF6A-2241-41CC-9C10-56CB777F7EAE}"/>
+              </a:ext>
+            </a:extLst>
+          </p:cNvPr>
+          <p:cNvSpPr/>
+          <p:nvPr/>
+        </p:nvSpPr>
+        <p:spPr>
+          <a:xfrm>
+            <a:off x="5493710" y="3095953"/>
+            <a:ext cx="900974" cy="545632"/>
+          </a:xfrm>
+          <a:prstGeom prst="rect">
+            <a:avLst/>
+          </a:prstGeom>
+        </p:spPr>
+        <p:style>
+          <a:lnRef idx="2">
+            <a:schemeClr val="accent1">
+              <a:shade val="50000"/>
+            </a:schemeClr>
+          </a:lnRef>
+          <a:fillRef idx="1">
+            <a:schemeClr val="accent1"/>
+          </a:fillRef>
+          <a:effectRef idx="0">
+            <a:schemeClr val="accent1"/>
+          </a:effectRef>
+          <a:fontRef idx="minor">
+            <a:schemeClr val="lt1"/>
+          </a:fontRef>
+        </p:style>
+        <p:txBody>
+          <a:bodyPr rtlCol="0" anchor="ctr"/>
+          <a:lstStyle/>
+          <a:p>
+            <a:pPr algn="ctr"/>
+            <a:r>
+              <a:rPr lang="it-IT" sz="1000" b="1" dirty="0"/>
+              <a:t>infrastruttura</a:t>
+            </a:r>
+          </a:p>
+        </p:txBody>
+      </p:sp>
+      <p:sp>
+        <p:nvSpPr>
+          <p:cNvPr id="113" name="Saetta 112">
+            <a:extLst>
+              <a:ext uri="{FF2B5EF4-FFF2-40B4-BE49-F238E27FC236}">
+                <a16:creationId xmlns:a16="http://schemas.microsoft.com/office/drawing/2014/main" id="{B36F7DA7-052E-4167-910D-D093D4D1755A}"/>
+              </a:ext>
+            </a:extLst>
+          </p:cNvPr>
+          <p:cNvSpPr/>
+          <p:nvPr/>
+        </p:nvSpPr>
+        <p:spPr>
+          <a:xfrm rot="20352147">
+            <a:off x="10818573" y="3070769"/>
+            <a:ext cx="718782" cy="770735"/>
+          </a:xfrm>
+          <a:prstGeom prst="lightningBolt">
+            <a:avLst/>
+          </a:prstGeom>
+          <a:solidFill>
+            <a:srgbClr val="FFFF00"/>
+          </a:solidFill>
+          <a:ln>
+            <a:solidFill>
+              <a:srgbClr val="FF0000"/>
+            </a:solidFill>
+          </a:ln>
+        </p:spPr>
+        <p:style>
+          <a:lnRef idx="2">
+            <a:schemeClr val="accent1">
+              <a:shade val="50000"/>
+            </a:schemeClr>
+          </a:lnRef>
+          <a:fillRef idx="1">
+            <a:schemeClr val="accent1"/>
+          </a:fillRef>
+          <a:effectRef idx="0">
+            <a:schemeClr val="accent1"/>
+          </a:effectRef>
+          <a:fontRef idx="minor">
+            <a:schemeClr val="lt1"/>
+          </a:fontRef>
+        </p:style>
+        <p:txBody>
+          <a:bodyPr rtlCol="0" anchor="ctr"/>
+          <a:lstStyle/>
+          <a:p>
+            <a:pPr algn="ctr"/>
+            <a:endParaRPr lang="it-IT"/>
+          </a:p>
+        </p:txBody>
+      </p:sp>
+      <p:sp>
+        <p:nvSpPr>
+          <p:cNvPr id="114" name="CasellaDiTesto 113">
+            <a:extLst>
+              <a:ext uri="{FF2B5EF4-FFF2-40B4-BE49-F238E27FC236}">
+                <a16:creationId xmlns:a16="http://schemas.microsoft.com/office/drawing/2014/main" id="{479C2385-0A8F-453C-AC08-8F07E756F96A}"/>
+              </a:ext>
+            </a:extLst>
+          </p:cNvPr>
+          <p:cNvSpPr txBox="1"/>
+          <p:nvPr/>
+        </p:nvSpPr>
+        <p:spPr>
+          <a:xfrm>
+            <a:off x="9979021" y="3631327"/>
+            <a:ext cx="1786854" cy="307777"/>
+          </a:xfrm>
+          <a:prstGeom prst="rect">
+            <a:avLst/>
+          </a:prstGeom>
+          <a:noFill/>
+        </p:spPr>
+        <p:txBody>
+          <a:bodyPr wrap="square" rtlCol="0">
+            <a:spAutoFit/>
+          </a:bodyPr>
+          <a:lstStyle/>
+          <a:p>
+            <a:r>
+              <a:rPr lang="it-IT" sz="1400" b="1" dirty="0">
+                <a:solidFill>
+                  <a:srgbClr val="FF0000"/>
+                </a:solidFill>
+              </a:rPr>
+              <a:t>Local_modelChanged</a:t>
+            </a:r>
+          </a:p>
+        </p:txBody>
+      </p:sp>
+      <p:sp>
+        <p:nvSpPr>
+          <p:cNvPr id="118" name="CasellaDiTesto 117">
+            <a:extLst>
+              <a:ext uri="{FF2B5EF4-FFF2-40B4-BE49-F238E27FC236}">
+                <a16:creationId xmlns:a16="http://schemas.microsoft.com/office/drawing/2014/main" id="{B795AB83-CB5D-437C-9859-159EE1502556}"/>
+              </a:ext>
+            </a:extLst>
+          </p:cNvPr>
+          <p:cNvSpPr txBox="1"/>
+          <p:nvPr/>
+        </p:nvSpPr>
+        <p:spPr>
+          <a:xfrm>
+            <a:off x="9606684" y="4924633"/>
+            <a:ext cx="770736" cy="307777"/>
+          </a:xfrm>
+          <a:prstGeom prst="rect">
+            <a:avLst/>
+          </a:prstGeom>
+          <a:noFill/>
+        </p:spPr>
+        <p:txBody>
+          <a:bodyPr wrap="square" rtlCol="0">
+            <a:spAutoFit/>
+          </a:bodyPr>
+          <a:lstStyle/>
+          <a:p>
+            <a:r>
+              <a:rPr lang="it-IT" sz="1400" b="1" dirty="0">
+                <a:solidFill>
+                  <a:srgbClr val="FF0000"/>
+                </a:solidFill>
+              </a:rPr>
+              <a:t>consult</a:t>
+            </a:r>
+          </a:p>
+        </p:txBody>
+      </p:sp>
+      <p:cxnSp>
+        <p:nvCxnSpPr>
+          <p:cNvPr id="119" name="Connettore a gomito 118">
+            <a:extLst>
+              <a:ext uri="{FF2B5EF4-FFF2-40B4-BE49-F238E27FC236}">
+                <a16:creationId xmlns:a16="http://schemas.microsoft.com/office/drawing/2014/main" id="{7810AC2C-0EB2-422F-BBB1-2495F04D8A8F}"/>
+              </a:ext>
+            </a:extLst>
+          </p:cNvPr>
+          <p:cNvCxnSpPr>
+            <a:cxnSpLocks/>
+            <a:stCxn id="31" idx="6"/>
+            <a:endCxn id="29" idx="1"/>
+          </p:cNvCxnSpPr>
+          <p:nvPr/>
+        </p:nvCxnSpPr>
+        <p:spPr>
+          <a:xfrm>
+            <a:off x="7710931" y="4421172"/>
+            <a:ext cx="1953804" cy="1435866"/>
+          </a:xfrm>
+          <a:prstGeom prst="bentConnector3">
+            <a:avLst>
+              <a:gd name="adj1" fmla="val 50000"/>
+            </a:avLst>
+          </a:prstGeom>
+          <a:ln>
+            <a:tailEnd type="triangle"/>
+          </a:ln>
+        </p:spPr>
+        <p:style>
+          <a:lnRef idx="1">
+            <a:schemeClr val="dk1"/>
+          </a:lnRef>
+          <a:fillRef idx="0">
+            <a:schemeClr val="dk1"/>
+          </a:fillRef>
+          <a:effectRef idx="0">
+            <a:schemeClr val="dk1"/>
+          </a:effectRef>
+          <a:fontRef idx="minor">
+            <a:schemeClr val="tx1"/>
+          </a:fontRef>
+        </p:style>
+      </p:cxnSp>
+      <p:sp>
+        <p:nvSpPr>
+          <p:cNvPr id="123" name="CasellaDiTesto 122">
+            <a:extLst>
+              <a:ext uri="{FF2B5EF4-FFF2-40B4-BE49-F238E27FC236}">
+                <a16:creationId xmlns:a16="http://schemas.microsoft.com/office/drawing/2014/main" id="{2482A9EB-44AD-4549-9121-0882D70494AA}"/>
+              </a:ext>
+            </a:extLst>
+          </p:cNvPr>
+          <p:cNvSpPr txBox="1"/>
+          <p:nvPr/>
+        </p:nvSpPr>
+        <p:spPr>
+          <a:xfrm>
+            <a:off x="8575513" y="5838386"/>
+            <a:ext cx="939095" cy="307777"/>
+          </a:xfrm>
+          <a:prstGeom prst="rect">
+            <a:avLst/>
+          </a:prstGeom>
+          <a:noFill/>
+        </p:spPr>
+        <p:txBody>
+          <a:bodyPr wrap="square" rtlCol="0">
+            <a:spAutoFit/>
+          </a:bodyPr>
+          <a:lstStyle/>
+          <a:p>
+            <a:r>
+              <a:rPr lang="it-IT" sz="1400" b="1" dirty="0"/>
+              <a:t>updateKb</a:t>
+            </a:r>
+          </a:p>
+        </p:txBody>
+      </p:sp>
+      <p:cxnSp>
+        <p:nvCxnSpPr>
+          <p:cNvPr id="126" name="Connettore a gomito 125">
+            <a:extLst>
+              <a:ext uri="{FF2B5EF4-FFF2-40B4-BE49-F238E27FC236}">
+                <a16:creationId xmlns:a16="http://schemas.microsoft.com/office/drawing/2014/main" id="{28AA0136-9CB3-4230-8AF3-F1EA2B854A82}"/>
+              </a:ext>
+            </a:extLst>
+          </p:cNvPr>
+          <p:cNvCxnSpPr>
+            <a:cxnSpLocks/>
+            <a:stCxn id="7" idx="6"/>
+            <a:endCxn id="33" idx="1"/>
+          </p:cNvCxnSpPr>
+          <p:nvPr/>
+        </p:nvCxnSpPr>
+        <p:spPr>
+          <a:xfrm>
+            <a:off x="2810356" y="1916674"/>
+            <a:ext cx="3155372" cy="2460112"/>
+          </a:xfrm>
+          <a:prstGeom prst="bentConnector3">
+            <a:avLst>
+              <a:gd name="adj1" fmla="val 43828"/>
+            </a:avLst>
+          </a:prstGeom>
+          <a:ln>
+            <a:tailEnd type="triangle"/>
+          </a:ln>
+        </p:spPr>
+        <p:style>
+          <a:lnRef idx="1">
+            <a:schemeClr val="dk1"/>
+          </a:lnRef>
+          <a:fillRef idx="0">
+            <a:schemeClr val="dk1"/>
+          </a:fillRef>
+          <a:effectRef idx="0">
+            <a:schemeClr val="dk1"/>
+          </a:effectRef>
+          <a:fontRef idx="minor">
+            <a:schemeClr val="tx1"/>
+          </a:fontRef>
+        </p:style>
+      </p:cxnSp>
+      <p:sp>
+        <p:nvSpPr>
+          <p:cNvPr id="138" name="CasellaDiTesto 137">
+            <a:extLst>
+              <a:ext uri="{FF2B5EF4-FFF2-40B4-BE49-F238E27FC236}">
+                <a16:creationId xmlns:a16="http://schemas.microsoft.com/office/drawing/2014/main" id="{E09ADB26-814A-4E76-A0D5-F2486CD808DF}"/>
+              </a:ext>
+            </a:extLst>
+          </p:cNvPr>
+          <p:cNvSpPr txBox="1"/>
+          <p:nvPr/>
+        </p:nvSpPr>
+        <p:spPr>
+          <a:xfrm>
+            <a:off x="4183126" y="2595240"/>
+            <a:ext cx="1053093" cy="738664"/>
+          </a:xfrm>
+          <a:prstGeom prst="rect">
+            <a:avLst/>
+          </a:prstGeom>
+          <a:noFill/>
+        </p:spPr>
+        <p:txBody>
+          <a:bodyPr wrap="square" rtlCol="0">
+            <a:spAutoFit/>
+          </a:bodyPr>
+          <a:lstStyle/>
+          <a:p>
+            <a:r>
+              <a:rPr lang="it-IT" sz="1400" b="1" dirty="0"/>
+              <a:t>prepare</a:t>
+            </a:r>
+          </a:p>
+          <a:p>
+            <a:r>
+              <a:rPr lang="it-IT" sz="1400" b="1" dirty="0"/>
+              <a:t>addFood</a:t>
+            </a:r>
+          </a:p>
+          <a:p>
+            <a:r>
+              <a:rPr lang="it-IT" sz="1400" b="1" dirty="0"/>
+              <a:t>clear</a:t>
+            </a:r>
+          </a:p>
+        </p:txBody>
+      </p:sp>
+      <p:sp>
+        <p:nvSpPr>
+          <p:cNvPr id="144" name="CasellaDiTesto 143">
+            <a:extLst>
+              <a:ext uri="{FF2B5EF4-FFF2-40B4-BE49-F238E27FC236}">
+                <a16:creationId xmlns:a16="http://schemas.microsoft.com/office/drawing/2014/main" id="{4D1FD1F6-3AE7-4FFA-9FD4-BF69F92D4534}"/>
+              </a:ext>
+            </a:extLst>
+          </p:cNvPr>
+          <p:cNvSpPr txBox="1"/>
+          <p:nvPr/>
+        </p:nvSpPr>
+        <p:spPr>
+          <a:xfrm>
+            <a:off x="8960522" y="4115457"/>
+            <a:ext cx="1053093" cy="307777"/>
+          </a:xfrm>
+          <a:prstGeom prst="rect">
+            <a:avLst/>
+          </a:prstGeom>
+          <a:noFill/>
+        </p:spPr>
+        <p:txBody>
+          <a:bodyPr wrap="square" rtlCol="0">
+            <a:spAutoFit/>
+          </a:bodyPr>
+          <a:lstStyle/>
+          <a:p>
+            <a:r>
+              <a:rPr lang="it-IT" sz="1400" b="1" dirty="0"/>
+              <a:t>warning</a:t>
+            </a:r>
+          </a:p>
+        </p:txBody>
+      </p:sp>
+      <p:cxnSp>
+        <p:nvCxnSpPr>
+          <p:cNvPr id="152" name="Connettore a gomito 151">
+            <a:extLst>
+              <a:ext uri="{FF2B5EF4-FFF2-40B4-BE49-F238E27FC236}">
+                <a16:creationId xmlns:a16="http://schemas.microsoft.com/office/drawing/2014/main" id="{2F6B52B9-1BA9-409F-8576-6834D6FD44AB}"/>
+              </a:ext>
+            </a:extLst>
+          </p:cNvPr>
+          <p:cNvCxnSpPr>
+            <a:cxnSpLocks/>
+            <a:stCxn id="31" idx="6"/>
+            <a:endCxn id="9" idx="0"/>
+          </p:cNvCxnSpPr>
+          <p:nvPr/>
+        </p:nvCxnSpPr>
+        <p:spPr>
+          <a:xfrm flipH="1" flipV="1">
+            <a:off x="1175385" y="1676979"/>
+            <a:ext cx="6535546" cy="2744193"/>
+          </a:xfrm>
+          <a:prstGeom prst="bentConnector4">
+            <a:avLst>
+              <a:gd name="adj1" fmla="val -65940"/>
+              <a:gd name="adj2" fmla="val 153375"/>
+            </a:avLst>
+          </a:prstGeom>
+          <a:ln>
+            <a:tailEnd type="triangle"/>
+          </a:ln>
+        </p:spPr>
+        <p:style>
+          <a:lnRef idx="1">
+            <a:schemeClr val="dk1"/>
+          </a:lnRef>
+          <a:fillRef idx="0">
+            <a:schemeClr val="dk1"/>
+          </a:fillRef>
+          <a:effectRef idx="0">
+            <a:schemeClr val="dk1"/>
+          </a:effectRef>
+          <a:fontRef idx="minor">
+            <a:schemeClr val="tx1"/>
+          </a:fontRef>
+        </p:style>
+      </p:cxnSp>
+      <p:sp>
+        <p:nvSpPr>
+          <p:cNvPr id="170" name="Saetta 169">
+            <a:extLst>
+              <a:ext uri="{FF2B5EF4-FFF2-40B4-BE49-F238E27FC236}">
+                <a16:creationId xmlns:a16="http://schemas.microsoft.com/office/drawing/2014/main" id="{A9E3E264-86A9-49E3-9876-31E298C0EE6F}"/>
+              </a:ext>
+            </a:extLst>
+          </p:cNvPr>
+          <p:cNvSpPr/>
+          <p:nvPr/>
+        </p:nvSpPr>
+        <p:spPr>
+          <a:xfrm rot="20767378">
+            <a:off x="4913698" y="717290"/>
+            <a:ext cx="744912" cy="793486"/>
+          </a:xfrm>
+          <a:prstGeom prst="lightningBolt">
+            <a:avLst/>
+          </a:prstGeom>
+          <a:solidFill>
+            <a:srgbClr val="FFFF00"/>
+          </a:solidFill>
+          <a:ln>
+            <a:solidFill>
+              <a:srgbClr val="FF0000"/>
+            </a:solidFill>
+          </a:ln>
+        </p:spPr>
+        <p:style>
+          <a:lnRef idx="2">
+            <a:schemeClr val="accent1">
+              <a:shade val="50000"/>
+            </a:schemeClr>
+          </a:lnRef>
+          <a:fillRef idx="1">
+            <a:schemeClr val="accent1"/>
+          </a:fillRef>
+          <a:effectRef idx="0">
+            <a:schemeClr val="accent1"/>
+          </a:effectRef>
+          <a:fontRef idx="minor">
+            <a:schemeClr val="lt1"/>
+          </a:fontRef>
+        </p:style>
+        <p:txBody>
+          <a:bodyPr rtlCol="0" anchor="ctr"/>
+          <a:lstStyle/>
+          <a:p>
+            <a:pPr algn="ctr"/>
+            <a:endParaRPr lang="it-IT" dirty="0"/>
+          </a:p>
+        </p:txBody>
+      </p:sp>
+      <p:sp>
+        <p:nvSpPr>
+          <p:cNvPr id="171" name="CasellaDiTesto 170">
+            <a:extLst>
+              <a:ext uri="{FF2B5EF4-FFF2-40B4-BE49-F238E27FC236}">
+                <a16:creationId xmlns:a16="http://schemas.microsoft.com/office/drawing/2014/main" id="{4D9A2C3D-5236-4CCB-8CC6-0FD11E4852EB}"/>
+              </a:ext>
+            </a:extLst>
+          </p:cNvPr>
+          <p:cNvSpPr txBox="1"/>
+          <p:nvPr/>
+        </p:nvSpPr>
+        <p:spPr>
+          <a:xfrm>
+            <a:off x="3867615" y="432914"/>
+            <a:ext cx="1786854" cy="738664"/>
+          </a:xfrm>
+          <a:prstGeom prst="rect">
+            <a:avLst/>
+          </a:prstGeom>
+          <a:noFill/>
+        </p:spPr>
+        <p:txBody>
+          <a:bodyPr wrap="square" rtlCol="0">
+            <a:spAutoFit/>
+          </a:bodyPr>
+          <a:lstStyle/>
+          <a:p>
+            <a:r>
+              <a:rPr lang="it-IT" sz="1400" b="1" dirty="0">
+                <a:solidFill>
+                  <a:srgbClr val="FF0000"/>
+                </a:solidFill>
+              </a:rPr>
+              <a:t>Local_modelChanged</a:t>
+            </a:r>
+          </a:p>
+          <a:p>
+            <a:r>
+              <a:rPr lang="it-IT" sz="1400" b="1" dirty="0">
+                <a:solidFill>
+                  <a:srgbClr val="FF0000"/>
+                </a:solidFill>
+              </a:rPr>
+              <a:t>envCond</a:t>
+            </a:r>
+          </a:p>
+          <a:p>
+            <a:r>
+              <a:rPr lang="it-IT" sz="1400" b="1" dirty="0">
+                <a:solidFill>
+                  <a:srgbClr val="FF0000"/>
+                </a:solidFill>
+              </a:rPr>
+              <a:t>sonarRobot</a:t>
+            </a:r>
+          </a:p>
+        </p:txBody>
+      </p:sp>
+      <p:sp>
+        <p:nvSpPr>
+          <p:cNvPr id="172" name="CasellaDiTesto 171">
+            <a:extLst>
+              <a:ext uri="{FF2B5EF4-FFF2-40B4-BE49-F238E27FC236}">
+                <a16:creationId xmlns:a16="http://schemas.microsoft.com/office/drawing/2014/main" id="{AC26AB3E-13EE-4590-A0C4-C9D877961039}"/>
+              </a:ext>
+            </a:extLst>
+          </p:cNvPr>
+          <p:cNvSpPr txBox="1"/>
+          <p:nvPr/>
+        </p:nvSpPr>
+        <p:spPr>
+          <a:xfrm>
+            <a:off x="6509455" y="3037413"/>
+            <a:ext cx="1786854" cy="307777"/>
+          </a:xfrm>
+          <a:prstGeom prst="rect">
+            <a:avLst/>
+          </a:prstGeom>
+          <a:noFill/>
+        </p:spPr>
+        <p:txBody>
+          <a:bodyPr wrap="square" rtlCol="0">
+            <a:spAutoFit/>
+          </a:bodyPr>
+          <a:lstStyle/>
+          <a:p>
+            <a:r>
+              <a:rPr lang="it-IT" sz="1400" b="1" dirty="0"/>
+              <a:t>modelChange</a:t>
+            </a:r>
+          </a:p>
+        </p:txBody>
+      </p:sp>
+      <p:sp>
+        <p:nvSpPr>
+          <p:cNvPr id="178" name="Saetta 177">
+            <a:extLst>
+              <a:ext uri="{FF2B5EF4-FFF2-40B4-BE49-F238E27FC236}">
+                <a16:creationId xmlns:a16="http://schemas.microsoft.com/office/drawing/2014/main" id="{BE34C1F5-8F6E-40E5-A4A6-685A650B42E7}"/>
+              </a:ext>
+            </a:extLst>
+          </p:cNvPr>
+          <p:cNvSpPr/>
+          <p:nvPr/>
+        </p:nvSpPr>
+        <p:spPr>
+          <a:xfrm rot="20767378">
+            <a:off x="9238998" y="5036001"/>
+            <a:ext cx="744912" cy="793486"/>
+          </a:xfrm>
+          <a:prstGeom prst="lightningBolt">
+            <a:avLst/>
+          </a:prstGeom>
+          <a:solidFill>
+            <a:srgbClr val="FFFF00"/>
+          </a:solidFill>
+          <a:ln>
+            <a:solidFill>
+              <a:srgbClr val="FF0000"/>
+            </a:solidFill>
+          </a:ln>
+        </p:spPr>
+        <p:style>
+          <a:lnRef idx="2">
+            <a:schemeClr val="accent1">
+              <a:shade val="50000"/>
+            </a:schemeClr>
+          </a:lnRef>
+          <a:fillRef idx="1">
+            <a:schemeClr val="accent1"/>
+          </a:fillRef>
+          <a:effectRef idx="0">
+            <a:schemeClr val="accent1"/>
+          </a:effectRef>
+          <a:fontRef idx="minor">
+            <a:schemeClr val="lt1"/>
+          </a:fontRef>
+        </p:style>
+        <p:txBody>
+          <a:bodyPr rtlCol="0" anchor="ctr"/>
+          <a:lstStyle/>
+          <a:p>
+            <a:pPr algn="ctr"/>
+            <a:endParaRPr lang="it-IT" dirty="0"/>
+          </a:p>
+        </p:txBody>
+      </p:sp>
     </p:spTree>
     <p:extLst>
       <p:ext uri="{BB962C8B-B14F-4D97-AF65-F5344CB8AC3E}">

--- a/Sprint/Preliminary Sprint/Model.pptx
+++ b/Sprint/Preliminary Sprint/Model.pptx
@@ -3413,7 +3413,7 @@
         </p:nvSpPr>
         <p:spPr>
           <a:xfrm>
-            <a:off x="1388532" y="531016"/>
+            <a:off x="1388532" y="522138"/>
             <a:ext cx="1692961" cy="399496"/>
           </a:xfrm>
           <a:prstGeom prst="rect">
@@ -3788,7 +3788,7 @@
         </p:nvSpPr>
         <p:spPr>
           <a:xfrm>
-            <a:off x="7423786" y="492521"/>
+            <a:off x="7423786" y="474765"/>
             <a:ext cx="2148396" cy="399496"/>
           </a:xfrm>
           <a:prstGeom prst="rect">
